--- a/John Shipway - Calling LLM from Python.pptx
+++ b/John Shipway - Calling LLM from Python.pptx
@@ -12,22 +12,22 @@
   </p:handoutMasterIdLst>
   <p:sldIdLst>
     <p:sldId id="256" r:id="rId5"/>
-    <p:sldId id="1623" r:id="rId6"/>
-    <p:sldId id="1627" r:id="rId7"/>
-    <p:sldId id="1622" r:id="rId8"/>
-    <p:sldId id="1630" r:id="rId9"/>
-    <p:sldId id="1632" r:id="rId10"/>
-    <p:sldId id="1631" r:id="rId11"/>
-    <p:sldId id="1621" r:id="rId12"/>
-    <p:sldId id="1633" r:id="rId13"/>
-    <p:sldId id="1634" r:id="rId14"/>
-    <p:sldId id="1635" r:id="rId15"/>
-    <p:sldId id="1636" r:id="rId16"/>
-    <p:sldId id="1638" r:id="rId17"/>
-    <p:sldId id="1620" r:id="rId18"/>
+    <p:sldId id="1627" r:id="rId6"/>
+    <p:sldId id="1622" r:id="rId7"/>
+    <p:sldId id="1630" r:id="rId8"/>
+    <p:sldId id="1632" r:id="rId9"/>
+    <p:sldId id="1631" r:id="rId10"/>
+    <p:sldId id="1621" r:id="rId11"/>
+    <p:sldId id="1633" r:id="rId12"/>
+    <p:sldId id="1634" r:id="rId13"/>
+    <p:sldId id="1635" r:id="rId14"/>
+    <p:sldId id="1636" r:id="rId15"/>
+    <p:sldId id="1638" r:id="rId16"/>
+    <p:sldId id="1620" r:id="rId17"/>
+    <p:sldId id="1639" r:id="rId18"/>
     <p:sldId id="1625" r:id="rId19"/>
-    <p:sldId id="1626" r:id="rId20"/>
-    <p:sldId id="1616" r:id="rId21"/>
+    <p:sldId id="1616" r:id="rId20"/>
+    <p:sldId id="1626" r:id="rId21"/>
   </p:sldIdLst>
   <p:sldSz cx="12192000" cy="6858000"/>
   <p:notesSz cx="6858000" cy="9144000"/>
@@ -151,7 +151,7 @@
 <file path=ppt/revisionInfo.xml><?xml version="1.0" encoding="utf-8"?>
 <p1510:revInfo xmlns:a="http://schemas.openxmlformats.org/drawingml/2006/main" xmlns:r="http://schemas.openxmlformats.org/officeDocument/2006/relationships" xmlns:p1510="http://schemas.microsoft.com/office/powerpoint/2015/10/main">
   <p1510:revLst>
-    <p1510:client id="{8E7D57C6-109C-4B3E-9CB1-D91133FD5232}" v="125" dt="2024-12-04T23:31:56.592"/>
+    <p1510:client id="{29D369FE-7D76-4A44-8523-814BB2589950}" v="2" dt="2024-12-05T16:41:52.792"/>
   </p1510:revLst>
 </p1510:revInfo>
 </file>
@@ -250,7 +250,7 @@
           <a:p>
             <a:fld id="{866D81A9-CFC2-4640-899E-DD3E177BE50A}" type="datetimeFigureOut">
               <a:rPr lang="en-US" smtClean="0"/>
-              <a:t>12/4/2024</a:t>
+              <a:t>12/5/2024</a:t>
             </a:fld>
             <a:endParaRPr lang="en-US" dirty="0"/>
           </a:p>
@@ -427,7 +427,7 @@
           <a:p>
             <a:fld id="{AA1E50F4-C55A-473A-A70B-4B042EF011A9}" type="datetimeFigureOut">
               <a:rPr lang="en-US" smtClean="0"/>
-              <a:t>12/4/2024</a:t>
+              <a:t>12/5/2024</a:t>
             </a:fld>
             <a:endParaRPr lang="en-US" dirty="0"/>
           </a:p>
@@ -852,7 +852,7 @@
     </p:spTree>
     <p:extLst>
       <p:ext uri="{BB962C8B-B14F-4D97-AF65-F5344CB8AC3E}">
-        <p14:creationId xmlns:p14="http://schemas.microsoft.com/office/powerpoint/2010/main" val="1446347519"/>
+        <p14:creationId xmlns:p14="http://schemas.microsoft.com/office/powerpoint/2010/main" val="1755659555"/>
       </p:ext>
     </p:extLst>
   </p:cSld>
@@ -936,7 +936,7 @@
     </p:spTree>
     <p:extLst>
       <p:ext uri="{BB962C8B-B14F-4D97-AF65-F5344CB8AC3E}">
-        <p14:creationId xmlns:p14="http://schemas.microsoft.com/office/powerpoint/2010/main" val="1755659555"/>
+        <p14:creationId xmlns:p14="http://schemas.microsoft.com/office/powerpoint/2010/main" val="1446347519"/>
       </p:ext>
     </p:extLst>
   </p:cSld>
@@ -1176,7 +1176,7 @@
             <a:fld id="{87DE6118-2437-4B30-8E3C-4D2BE6020583}" type="datetimeFigureOut">
               <a:rPr lang="en-US" smtClean="0"/>
               <a:pPr/>
-              <a:t>12/4/2024</a:t>
+              <a:t>12/5/2024</a:t>
             </a:fld>
             <a:endParaRPr lang="en-US" dirty="0"/>
           </a:p>
@@ -1512,7 +1512,7 @@
             <a:fld id="{87DE6118-2437-4B30-8E3C-4D2BE6020583}" type="datetimeFigureOut">
               <a:rPr lang="en-US" smtClean="0"/>
               <a:pPr/>
-              <a:t>12/4/2024</a:t>
+              <a:t>12/5/2024</a:t>
             </a:fld>
             <a:endParaRPr lang="en-US" dirty="0"/>
           </a:p>
@@ -1792,7 +1792,7 @@
             <a:fld id="{87DE6118-2437-4B30-8E3C-4D2BE6020583}" type="datetimeFigureOut">
               <a:rPr lang="en-US" smtClean="0"/>
               <a:pPr/>
-              <a:t>12/4/2024</a:t>
+              <a:t>12/5/2024</a:t>
             </a:fld>
             <a:endParaRPr lang="en-US" dirty="0"/>
           </a:p>
@@ -2362,7 +2362,7 @@
             <a:fld id="{87DE6118-2437-4B30-8E3C-4D2BE6020583}" type="datetimeFigureOut">
               <a:rPr lang="en-US" smtClean="0"/>
               <a:pPr/>
-              <a:t>12/4/2024</a:t>
+              <a:t>12/5/2024</a:t>
             </a:fld>
             <a:endParaRPr lang="en-US" dirty="0"/>
           </a:p>
@@ -2642,7 +2642,7 @@
             <a:fld id="{87DE6118-2437-4B30-8E3C-4D2BE6020583}" type="datetimeFigureOut">
               <a:rPr lang="en-US" smtClean="0"/>
               <a:pPr/>
-              <a:t>12/4/2024</a:t>
+              <a:t>12/5/2024</a:t>
             </a:fld>
             <a:endParaRPr lang="en-US" dirty="0"/>
           </a:p>
@@ -3206,7 +3206,7 @@
             <a:fld id="{87DE6118-2437-4B30-8E3C-4D2BE6020583}" type="datetimeFigureOut">
               <a:rPr lang="en-US" smtClean="0"/>
               <a:pPr/>
-              <a:t>12/4/2024</a:t>
+              <a:t>12/5/2024</a:t>
             </a:fld>
             <a:endParaRPr lang="en-US" dirty="0"/>
           </a:p>
@@ -3535,7 +3535,7 @@
             <a:fld id="{87DE6118-2437-4B30-8E3C-4D2BE6020583}" type="datetimeFigureOut">
               <a:rPr lang="en-US" smtClean="0"/>
               <a:pPr/>
-              <a:t>12/4/2024</a:t>
+              <a:t>12/5/2024</a:t>
             </a:fld>
             <a:endParaRPr lang="en-US" dirty="0"/>
           </a:p>
@@ -3741,7 +3741,7 @@
           <a:p>
             <a:fld id="{87DE6118-2437-4B30-8E3C-4D2BE6020583}" type="datetimeFigureOut">
               <a:rPr lang="en-US" smtClean="0"/>
-              <a:t>12/4/2024</a:t>
+              <a:t>12/5/2024</a:t>
             </a:fld>
             <a:endParaRPr lang="en-US" dirty="0"/>
           </a:p>
@@ -3951,7 +3951,7 @@
           <a:p>
             <a:fld id="{87DE6118-2437-4B30-8E3C-4D2BE6020583}" type="datetimeFigureOut">
               <a:rPr lang="en-US" smtClean="0"/>
-              <a:t>12/4/2024</a:t>
+              <a:t>12/5/2024</a:t>
             </a:fld>
             <a:endParaRPr lang="en-US" dirty="0"/>
           </a:p>
@@ -4151,7 +4151,7 @@
           <a:p>
             <a:fld id="{87DE6118-2437-4B30-8E3C-4D2BE6020583}" type="datetimeFigureOut">
               <a:rPr lang="en-US" smtClean="0"/>
-              <a:t>12/4/2024</a:t>
+              <a:t>12/5/2024</a:t>
             </a:fld>
             <a:endParaRPr lang="en-US" dirty="0"/>
           </a:p>
@@ -4428,7 +4428,7 @@
             <a:fld id="{87DE6118-2437-4B30-8E3C-4D2BE6020583}" type="datetimeFigureOut">
               <a:rPr lang="en-US" smtClean="0"/>
               <a:pPr/>
-              <a:t>12/4/2024</a:t>
+              <a:t>12/5/2024</a:t>
             </a:fld>
             <a:endParaRPr lang="en-US" dirty="0"/>
           </a:p>
@@ -4695,7 +4695,7 @@
           <a:p>
             <a:fld id="{87DE6118-2437-4B30-8E3C-4D2BE6020583}" type="datetimeFigureOut">
               <a:rPr lang="en-US" smtClean="0"/>
-              <a:t>12/4/2024</a:t>
+              <a:t>12/5/2024</a:t>
             </a:fld>
             <a:endParaRPr lang="en-US" dirty="0"/>
           </a:p>
@@ -5069,7 +5069,7 @@
           <a:p>
             <a:fld id="{87DE6118-2437-4B30-8E3C-4D2BE6020583}" type="datetimeFigureOut">
               <a:rPr lang="en-US" smtClean="0"/>
-              <a:t>12/4/2024</a:t>
+              <a:t>12/5/2024</a:t>
             </a:fld>
             <a:endParaRPr lang="en-US" dirty="0"/>
           </a:p>
@@ -5217,7 +5217,7 @@
           <a:p>
             <a:fld id="{87DE6118-2437-4B30-8E3C-4D2BE6020583}" type="datetimeFigureOut">
               <a:rPr lang="en-US" smtClean="0"/>
-              <a:t>12/4/2024</a:t>
+              <a:t>12/5/2024</a:t>
             </a:fld>
             <a:endParaRPr lang="en-US" dirty="0"/>
           </a:p>
@@ -5342,7 +5342,7 @@
           <a:p>
             <a:fld id="{87DE6118-2437-4B30-8E3C-4D2BE6020583}" type="datetimeFigureOut">
               <a:rPr lang="en-US" smtClean="0"/>
-              <a:t>12/4/2024</a:t>
+              <a:t>12/5/2024</a:t>
             </a:fld>
             <a:endParaRPr lang="en-US" dirty="0"/>
           </a:p>
@@ -5628,7 +5628,7 @@
             <a:fld id="{87DE6118-2437-4B30-8E3C-4D2BE6020583}" type="datetimeFigureOut">
               <a:rPr lang="en-US" smtClean="0"/>
               <a:pPr/>
-              <a:t>12/4/2024</a:t>
+              <a:t>12/5/2024</a:t>
             </a:fld>
             <a:endParaRPr lang="en-US" dirty="0"/>
           </a:p>
@@ -5954,7 +5954,7 @@
             <a:fld id="{87DE6118-2437-4B30-8E3C-4D2BE6020583}" type="datetimeFigureOut">
               <a:rPr lang="en-US" smtClean="0"/>
               <a:pPr/>
-              <a:t>12/4/2024</a:t>
+              <a:t>12/5/2024</a:t>
             </a:fld>
             <a:endParaRPr lang="en-US" dirty="0"/>
           </a:p>
@@ -6170,7 +6170,7 @@
             <a:fld id="{87DE6118-2437-4B30-8E3C-4D2BE6020583}" type="datetimeFigureOut">
               <a:rPr lang="en-US" smtClean="0"/>
               <a:pPr/>
-              <a:t>12/4/2024</a:t>
+              <a:t>12/5/2024</a:t>
             </a:fld>
             <a:endParaRPr lang="en-US" dirty="0"/>
           </a:p>
@@ -6718,8 +6718,8 @@
           <a:lstStyle/>
           <a:p>
             <a:r>
-              <a:rPr lang="en-US" sz="3300" b="1" dirty="0"/>
-              <a:t>Understanding and USING LARGE LANGUAGE MODEL APIs with PYTHON</a:t>
+              <a:rPr lang="en-US" sz="3100" b="1" dirty="0"/>
+              <a:t>Understanding and CALLING LARGE LANGUAGE MODEL APIs FROM PYTHON</a:t>
             </a:r>
             <a:br>
               <a:rPr lang="en-US" sz="4400" b="1" dirty="0"/>
@@ -6793,8 +6793,8 @@
         </p:nvSpPr>
         <p:spPr>
           <a:xfrm>
-            <a:off x="334819" y="355139"/>
-            <a:ext cx="10482407" cy="905164"/>
+            <a:off x="334819" y="517235"/>
+            <a:ext cx="10482407" cy="743067"/>
           </a:xfrm>
         </p:spPr>
         <p:txBody>
@@ -6805,7 +6805,7 @@
           <a:p>
             <a:r>
               <a:rPr lang="en-US" dirty="0"/>
-              <a:t>Now, We’re READY To CODE</a:t>
+              <a:t>LLM API Initialization</a:t>
             </a:r>
             <a:br>
               <a:rPr lang="en-US" dirty="0"/>
@@ -6819,10 +6819,10 @@
       </p:sp>
       <p:pic>
         <p:nvPicPr>
-          <p:cNvPr id="4" name="Picture 3" descr="A white rectangle with blue lines&#10;&#10;Description automatically generated">
+          <p:cNvPr id="9" name="Picture 8" descr="A computer screen shot of a computer code&#10;&#10;Description automatically generated">
             <a:extLst>
               <a:ext uri="{FF2B5EF4-FFF2-40B4-BE49-F238E27FC236}">
-                <a16:creationId xmlns:a16="http://schemas.microsoft.com/office/drawing/2014/main" id="{F563BF5C-0C89-BE62-671D-B9BAA1496E22}"/>
+                <a16:creationId xmlns:a16="http://schemas.microsoft.com/office/drawing/2014/main" id="{F37919AF-1A36-4363-7AD6-D53489FDAF46}"/>
               </a:ext>
             </a:extLst>
           </p:cNvPr>
@@ -6839,8 +6839,8 @@
         </p:blipFill>
         <p:spPr>
           <a:xfrm>
-            <a:off x="527407" y="1708134"/>
-            <a:ext cx="3600635" cy="622332"/>
+            <a:off x="334819" y="2122521"/>
+            <a:ext cx="11334430" cy="2865115"/>
           </a:xfrm>
           <a:prstGeom prst="rect">
             <a:avLst/>
@@ -6849,48 +6849,10 @@
       </p:pic>
       <p:sp>
         <p:nvSpPr>
-          <p:cNvPr id="5" name="Content Placeholder 2">
+          <p:cNvPr id="16" name="Content Placeholder 2">
             <a:extLst>
               <a:ext uri="{FF2B5EF4-FFF2-40B4-BE49-F238E27FC236}">
-                <a16:creationId xmlns:a16="http://schemas.microsoft.com/office/drawing/2014/main" id="{A3A0B90A-94CA-EB36-0EE8-24B94A4B88DF}"/>
-              </a:ext>
-            </a:extLst>
-          </p:cNvPr>
-          <p:cNvSpPr>
-            <a:spLocks noGrp="1"/>
-          </p:cNvSpPr>
-          <p:nvPr>
-            <p:ph idx="1"/>
-          </p:nvPr>
-        </p:nvSpPr>
-        <p:spPr>
-          <a:xfrm>
-            <a:off x="422355" y="1032616"/>
-            <a:ext cx="10610890" cy="455374"/>
-          </a:xfrm>
-        </p:spPr>
-        <p:txBody>
-          <a:bodyPr anchor="t" anchorCtr="0">
-            <a:normAutofit/>
-          </a:bodyPr>
-          <a:lstStyle/>
-          <a:p>
-            <a:pPr marL="0" indent="0">
-              <a:buNone/>
-            </a:pPr>
-            <a:r>
-              <a:rPr lang="en-US" dirty="0"/>
-              <a:t>These are the only two python packages you will need:</a:t>
-            </a:r>
-          </a:p>
-        </p:txBody>
-      </p:sp>
-      <p:sp>
-        <p:nvSpPr>
-          <p:cNvPr id="6" name="Content Placeholder 2">
-            <a:extLst>
-              <a:ext uri="{FF2B5EF4-FFF2-40B4-BE49-F238E27FC236}">
-                <a16:creationId xmlns:a16="http://schemas.microsoft.com/office/drawing/2014/main" id="{C404C2BD-F182-6F92-4522-5413DD350B6C}"/>
+                <a16:creationId xmlns:a16="http://schemas.microsoft.com/office/drawing/2014/main" id="{38877F4E-83DD-55D5-EFA8-AD8B15A69015}"/>
               </a:ext>
             </a:extLst>
           </p:cNvPr>
@@ -6901,7 +6863,7 @@
         </p:nvSpPr>
         <p:spPr>
           <a:xfrm>
-            <a:off x="422355" y="3179289"/>
+            <a:off x="270577" y="1008350"/>
             <a:ext cx="10610890" cy="455374"/>
           </a:xfrm>
           <a:prstGeom prst="rect">
@@ -6910,7 +6872,7 @@
         </p:spPr>
         <p:txBody>
           <a:bodyPr vert="horz" lIns="91440" tIns="45720" rIns="91440" bIns="45720" rtlCol="0" anchor="t" anchorCtr="0">
-            <a:normAutofit fontScale="25000" lnSpcReduction="20000"/>
+            <a:noAutofit/>
           </a:bodyPr>
           <a:lstStyle>
             <a:lvl1pPr marL="285750" indent="-285750" algn="l" defTabSz="457200" rtl="0" eaLnBrk="1" latinLnBrk="0" hangingPunct="1">
@@ -7127,322 +7089,34 @@
               <a:buNone/>
             </a:pPr>
             <a:r>
-              <a:rPr lang="en-US" sz="7200" dirty="0"/>
-              <a:t>You can also use the OpenAI package and objects, but…</a:t>
-            </a:r>
-          </a:p>
-          <a:p>
-            <a:r>
-              <a:rPr lang="en-US" sz="7200" dirty="0"/>
-              <a:t>OpenAI package dependencies can be cumbersome (had to pin version in example below)</a:t>
-            </a:r>
-          </a:p>
-          <a:p>
-            <a:r>
-              <a:rPr lang="en-US" sz="7200" dirty="0"/>
-              <a:t>The REST Interface via the requests package is already very simple to use</a:t>
-            </a:r>
-          </a:p>
-          <a:p>
-            <a:r>
-              <a:rPr lang="en-US" sz="7200" dirty="0"/>
-              <a:t>Swapping in another vendor’s LLMs (i.e. Meta Llama, Claude) is far easier with REST interface as those other models provide REST interfaces as well</a:t>
-            </a:r>
-          </a:p>
-          <a:p>
-            <a:pPr marL="0" indent="0">
-              <a:buNone/>
-            </a:pPr>
-            <a:endParaRPr lang="en-US" sz="1800" dirty="0"/>
+              <a:rPr lang="en-US" sz="2000" dirty="0"/>
+              <a:t>The LLM API URL variable and </a:t>
+            </a:r>
+            <a:r>
+              <a:rPr lang="en-US" sz="2000" dirty="0" err="1"/>
+              <a:t>api_key</a:t>
+            </a:r>
+            <a:r>
+              <a:rPr lang="en-US" sz="2000" dirty="0"/>
+              <a:t> will wire your code you to your own LLM API</a:t>
+            </a:r>
           </a:p>
           <a:p>
             <a:pPr marL="0" indent="0">
               <a:buFont typeface="Arial"/>
               <a:buNone/>
             </a:pPr>
-            <a:endParaRPr lang="en-US" dirty="0"/>
-          </a:p>
-        </p:txBody>
-      </p:sp>
-      <p:pic>
-        <p:nvPicPr>
-          <p:cNvPr id="11" name="Picture 10" descr="A screenshot of a computer&#10;&#10;Description automatically generated">
-            <a:extLst>
-              <a:ext uri="{FF2B5EF4-FFF2-40B4-BE49-F238E27FC236}">
-                <a16:creationId xmlns:a16="http://schemas.microsoft.com/office/drawing/2014/main" id="{3345EAB2-D1BD-C42A-6D11-B3EB4EEF5706}"/>
-              </a:ext>
-            </a:extLst>
-          </p:cNvPr>
-          <p:cNvPicPr>
-            <a:picLocks noChangeAspect="1"/>
-          </p:cNvPicPr>
-          <p:nvPr/>
-        </p:nvPicPr>
-        <p:blipFill>
-          <a:blip r:embed="rId3"/>
-          <a:stretch>
-            <a:fillRect/>
-          </a:stretch>
-        </p:blipFill>
-        <p:spPr>
-          <a:xfrm>
-            <a:off x="595987" y="4908305"/>
-            <a:ext cx="2749691" cy="1206562"/>
-          </a:xfrm>
-          <a:prstGeom prst="rect">
-            <a:avLst/>
-          </a:prstGeom>
-        </p:spPr>
-      </p:pic>
-      <p:sp>
-        <p:nvSpPr>
-          <p:cNvPr id="12" name="Content Placeholder 2">
-            <a:extLst>
-              <a:ext uri="{FF2B5EF4-FFF2-40B4-BE49-F238E27FC236}">
-                <a16:creationId xmlns:a16="http://schemas.microsoft.com/office/drawing/2014/main" id="{9B82A974-7E8D-D44F-98B6-F2B1D5FF2BC3}"/>
-              </a:ext>
-            </a:extLst>
-          </p:cNvPr>
-          <p:cNvSpPr txBox="1">
-            <a:spLocks/>
-          </p:cNvSpPr>
-          <p:nvPr/>
-        </p:nvSpPr>
-        <p:spPr>
-          <a:xfrm>
-            <a:off x="527407" y="5361400"/>
-            <a:ext cx="10610890" cy="455374"/>
-          </a:xfrm>
-          <a:prstGeom prst="rect">
-            <a:avLst/>
-          </a:prstGeom>
-        </p:spPr>
-        <p:txBody>
-          <a:bodyPr vert="horz" lIns="91440" tIns="45720" rIns="91440" bIns="45720" rtlCol="0" anchor="t" anchorCtr="0">
-            <a:normAutofit/>
-          </a:bodyPr>
-          <a:lstStyle>
-            <a:lvl1pPr marL="285750" indent="-285750" algn="l" defTabSz="457200" rtl="0" eaLnBrk="1" latinLnBrk="0" hangingPunct="1">
-              <a:spcBef>
-                <a:spcPts val="0"/>
-              </a:spcBef>
-              <a:spcAft>
-                <a:spcPts val="1000"/>
-              </a:spcAft>
-              <a:buClr>
-                <a:schemeClr val="tx1"/>
-              </a:buClr>
-              <a:buSzPct val="100000"/>
-              <a:buFont typeface="Arial"/>
-              <a:buChar char="•"/>
-              <a:defRPr sz="1800" kern="1200" cap="none">
-                <a:solidFill>
-                  <a:schemeClr val="tx1"/>
-                </a:solidFill>
-                <a:effectLst/>
-                <a:latin typeface="+mn-lt"/>
-                <a:ea typeface="+mn-ea"/>
-                <a:cs typeface="+mn-cs"/>
-              </a:defRPr>
-            </a:lvl1pPr>
-            <a:lvl2pPr marL="742950" indent="-285750" algn="l" defTabSz="457200" rtl="0" eaLnBrk="1" latinLnBrk="0" hangingPunct="1">
-              <a:spcBef>
-                <a:spcPts val="0"/>
-              </a:spcBef>
-              <a:spcAft>
-                <a:spcPts val="1000"/>
-              </a:spcAft>
-              <a:buClr>
-                <a:schemeClr val="tx1"/>
-              </a:buClr>
-              <a:buSzPct val="100000"/>
-              <a:buFont typeface="Arial"/>
-              <a:buChar char="•"/>
-              <a:defRPr sz="1600" kern="1200" cap="none">
-                <a:solidFill>
-                  <a:schemeClr val="tx1"/>
-                </a:solidFill>
-                <a:effectLst/>
-                <a:latin typeface="+mn-lt"/>
-                <a:ea typeface="+mn-ea"/>
-                <a:cs typeface="+mn-cs"/>
-              </a:defRPr>
-            </a:lvl2pPr>
-            <a:lvl3pPr marL="1200150" indent="-285750" algn="l" defTabSz="457200" rtl="0" eaLnBrk="1" latinLnBrk="0" hangingPunct="1">
-              <a:spcBef>
-                <a:spcPts val="0"/>
-              </a:spcBef>
-              <a:spcAft>
-                <a:spcPts val="1000"/>
-              </a:spcAft>
-              <a:buClr>
-                <a:schemeClr val="tx1"/>
-              </a:buClr>
-              <a:buSzPct val="100000"/>
-              <a:buFont typeface="Arial"/>
-              <a:buChar char="•"/>
-              <a:defRPr sz="1400" kern="1200" cap="none">
-                <a:solidFill>
-                  <a:schemeClr val="tx1"/>
-                </a:solidFill>
-                <a:effectLst/>
-                <a:latin typeface="+mn-lt"/>
-                <a:ea typeface="+mn-ea"/>
-                <a:cs typeface="+mn-cs"/>
-              </a:defRPr>
-            </a:lvl3pPr>
-            <a:lvl4pPr marL="1543050" indent="-171450" algn="l" defTabSz="457200" rtl="0" eaLnBrk="1" latinLnBrk="0" hangingPunct="1">
-              <a:spcBef>
-                <a:spcPts val="0"/>
-              </a:spcBef>
-              <a:spcAft>
-                <a:spcPts val="1000"/>
-              </a:spcAft>
-              <a:buClr>
-                <a:schemeClr val="tx1"/>
-              </a:buClr>
-              <a:buSzPct val="100000"/>
-              <a:buFont typeface="Arial"/>
-              <a:buChar char="•"/>
-              <a:defRPr sz="1200" kern="1200" cap="none">
-                <a:solidFill>
-                  <a:schemeClr val="tx1"/>
-                </a:solidFill>
-                <a:effectLst/>
-                <a:latin typeface="+mn-lt"/>
-                <a:ea typeface="+mn-ea"/>
-                <a:cs typeface="+mn-cs"/>
-              </a:defRPr>
-            </a:lvl4pPr>
-            <a:lvl5pPr marL="2000250" indent="-171450" algn="l" defTabSz="457200" rtl="0" eaLnBrk="1" latinLnBrk="0" hangingPunct="1">
-              <a:spcBef>
-                <a:spcPts val="0"/>
-              </a:spcBef>
-              <a:spcAft>
-                <a:spcPts val="1000"/>
-              </a:spcAft>
-              <a:buClr>
-                <a:schemeClr val="tx1"/>
-              </a:buClr>
-              <a:buSzPct val="100000"/>
-              <a:buFont typeface="Arial"/>
-              <a:buChar char="•"/>
-              <a:defRPr sz="1200" kern="1200" cap="none">
-                <a:solidFill>
-                  <a:schemeClr val="tx1"/>
-                </a:solidFill>
-                <a:effectLst/>
-                <a:latin typeface="+mn-lt"/>
-                <a:ea typeface="+mn-ea"/>
-                <a:cs typeface="+mn-cs"/>
-              </a:defRPr>
-            </a:lvl5pPr>
-            <a:lvl6pPr marL="2514600" indent="-228600" algn="l" defTabSz="457200" rtl="0" eaLnBrk="1" latinLnBrk="0" hangingPunct="1">
-              <a:spcBef>
-                <a:spcPts val="0"/>
-              </a:spcBef>
-              <a:spcAft>
-                <a:spcPts val="1000"/>
-              </a:spcAft>
-              <a:buClr>
-                <a:schemeClr val="tx1"/>
-              </a:buClr>
-              <a:buSzPct val="100000"/>
-              <a:buFont typeface="Arial"/>
-              <a:buChar char="•"/>
-              <a:defRPr sz="1200" kern="1200" cap="none">
-                <a:solidFill>
-                  <a:schemeClr val="tx1"/>
-                </a:solidFill>
-                <a:effectLst/>
-                <a:latin typeface="+mn-lt"/>
-                <a:ea typeface="+mn-ea"/>
-                <a:cs typeface="+mn-cs"/>
-              </a:defRPr>
-            </a:lvl6pPr>
-            <a:lvl7pPr marL="2971800" indent="-228600" algn="l" defTabSz="457200" rtl="0" eaLnBrk="1" latinLnBrk="0" hangingPunct="1">
-              <a:spcBef>
-                <a:spcPts val="0"/>
-              </a:spcBef>
-              <a:spcAft>
-                <a:spcPts val="1000"/>
-              </a:spcAft>
-              <a:buClr>
-                <a:schemeClr val="tx1"/>
-              </a:buClr>
-              <a:buSzPct val="100000"/>
-              <a:buFont typeface="Arial"/>
-              <a:buChar char="•"/>
-              <a:defRPr sz="1200" kern="1200" cap="none">
-                <a:solidFill>
-                  <a:schemeClr val="tx1"/>
-                </a:solidFill>
-                <a:effectLst/>
-                <a:latin typeface="+mn-lt"/>
-                <a:ea typeface="+mn-ea"/>
-                <a:cs typeface="+mn-cs"/>
-              </a:defRPr>
-            </a:lvl7pPr>
-            <a:lvl8pPr marL="3429000" indent="-228600" algn="l" defTabSz="457200" rtl="0" eaLnBrk="1" latinLnBrk="0" hangingPunct="1">
-              <a:spcBef>
-                <a:spcPts val="0"/>
-              </a:spcBef>
-              <a:spcAft>
-                <a:spcPts val="1000"/>
-              </a:spcAft>
-              <a:buClr>
-                <a:schemeClr val="tx1"/>
-              </a:buClr>
-              <a:buSzPct val="100000"/>
-              <a:buFont typeface="Arial"/>
-              <a:buChar char="•"/>
-              <a:defRPr sz="1200" kern="1200" cap="none">
-                <a:solidFill>
-                  <a:schemeClr val="tx1"/>
-                </a:solidFill>
-                <a:effectLst/>
-                <a:latin typeface="+mn-lt"/>
-                <a:ea typeface="+mn-ea"/>
-                <a:cs typeface="+mn-cs"/>
-              </a:defRPr>
-            </a:lvl8pPr>
-            <a:lvl9pPr marL="3886200" indent="-228600" algn="l" defTabSz="457200" rtl="0" eaLnBrk="1" latinLnBrk="0" hangingPunct="1">
-              <a:spcBef>
-                <a:spcPts val="0"/>
-              </a:spcBef>
-              <a:spcAft>
-                <a:spcPts val="1000"/>
-              </a:spcAft>
-              <a:buClr>
-                <a:schemeClr val="tx1"/>
-              </a:buClr>
-              <a:buSzPct val="100000"/>
-              <a:buFont typeface="Arial"/>
-              <a:buChar char="•"/>
-              <a:defRPr sz="1200" kern="1200" cap="none">
-                <a:solidFill>
-                  <a:schemeClr val="tx1"/>
-                </a:solidFill>
-                <a:effectLst/>
-                <a:latin typeface="+mn-lt"/>
-                <a:ea typeface="+mn-ea"/>
-                <a:cs typeface="+mn-cs"/>
-              </a:defRPr>
-            </a:lvl9pPr>
-          </a:lstStyle>
-          <a:p>
-            <a:pPr marL="0" indent="0">
-              <a:buFont typeface="Arial"/>
-              <a:buNone/>
-            </a:pPr>
-            <a:endParaRPr lang="en-US" dirty="0"/>
+            <a:r>
+              <a:rPr lang="en-US" sz="2000" dirty="0"/>
+              <a:t>Security and Billing are enabled in this way</a:t>
+            </a:r>
           </a:p>
         </p:txBody>
       </p:sp>
     </p:spTree>
     <p:extLst>
       <p:ext uri="{BB962C8B-B14F-4D97-AF65-F5344CB8AC3E}">
-        <p14:creationId xmlns:p14="http://schemas.microsoft.com/office/powerpoint/2010/main" val="406453055"/>
+        <p14:creationId xmlns:p14="http://schemas.microsoft.com/office/powerpoint/2010/main" val="2648920408"/>
       </p:ext>
     </p:extLst>
   </p:cSld>
@@ -7498,8 +7172,12 @@
           <a:lstStyle/>
           <a:p>
             <a:r>
+              <a:rPr lang="en-US" dirty="0" err="1"/>
+              <a:t>cREATING</a:t>
+            </a:r>
+            <a:r>
               <a:rPr lang="en-US" dirty="0"/>
-              <a:t>LLM API Initialization</a:t>
+              <a:t> THE LLM PROMPT</a:t>
             </a:r>
             <a:br>
               <a:rPr lang="en-US" dirty="0"/>
@@ -7511,36 +7189,6 @@
           </a:p>
         </p:txBody>
       </p:sp>
-      <p:pic>
-        <p:nvPicPr>
-          <p:cNvPr id="9" name="Picture 8" descr="A computer screen shot of a computer code&#10;&#10;Description automatically generated">
-            <a:extLst>
-              <a:ext uri="{FF2B5EF4-FFF2-40B4-BE49-F238E27FC236}">
-                <a16:creationId xmlns:a16="http://schemas.microsoft.com/office/drawing/2014/main" id="{F37919AF-1A36-4363-7AD6-D53489FDAF46}"/>
-              </a:ext>
-            </a:extLst>
-          </p:cNvPr>
-          <p:cNvPicPr>
-            <a:picLocks noChangeAspect="1"/>
-          </p:cNvPicPr>
-          <p:nvPr/>
-        </p:nvPicPr>
-        <p:blipFill>
-          <a:blip r:embed="rId2"/>
-          <a:stretch>
-            <a:fillRect/>
-          </a:stretch>
-        </p:blipFill>
-        <p:spPr>
-          <a:xfrm>
-            <a:off x="334819" y="2122521"/>
-            <a:ext cx="11334430" cy="2865115"/>
-          </a:xfrm>
-          <a:prstGeom prst="rect">
-            <a:avLst/>
-          </a:prstGeom>
-        </p:spPr>
-      </p:pic>
       <p:sp>
         <p:nvSpPr>
           <p:cNvPr id="16" name="Content Placeholder 2">
@@ -7784,17 +7432,277 @@
             </a:pPr>
             <a:r>
               <a:rPr lang="en-US" sz="2000" dirty="0"/>
-              <a:t>The LLM API URL variable and </a:t>
-            </a:r>
-            <a:r>
-              <a:rPr lang="en-US" sz="2000" dirty="0" err="1"/>
-              <a:t>api_key</a:t>
-            </a:r>
-            <a:r>
-              <a:rPr lang="en-US" sz="2000" dirty="0"/>
-              <a:t> will wire your code you to your own LLM API</a:t>
-            </a:r>
-          </a:p>
+              <a:t>This creates the prompt that the LLM is going to respond to</a:t>
+            </a:r>
+          </a:p>
+        </p:txBody>
+      </p:sp>
+      <p:pic>
+        <p:nvPicPr>
+          <p:cNvPr id="4" name="Picture 3" descr="A close-up of a text&#10;&#10;Description automatically generated">
+            <a:extLst>
+              <a:ext uri="{FF2B5EF4-FFF2-40B4-BE49-F238E27FC236}">
+                <a16:creationId xmlns:a16="http://schemas.microsoft.com/office/drawing/2014/main" id="{BBE11BB0-C8B7-22D1-D086-BAC5B36CB904}"/>
+              </a:ext>
+            </a:extLst>
+          </p:cNvPr>
+          <p:cNvPicPr>
+            <a:picLocks noChangeAspect="1"/>
+          </p:cNvPicPr>
+          <p:nvPr/>
+        </p:nvPicPr>
+        <p:blipFill>
+          <a:blip r:embed="rId2"/>
+          <a:stretch>
+            <a:fillRect/>
+          </a:stretch>
+        </p:blipFill>
+        <p:spPr>
+          <a:xfrm>
+            <a:off x="270577" y="1653254"/>
+            <a:ext cx="11476280" cy="2329928"/>
+          </a:xfrm>
+          <a:prstGeom prst="rect">
+            <a:avLst/>
+          </a:prstGeom>
+        </p:spPr>
+      </p:pic>
+      <p:sp>
+        <p:nvSpPr>
+          <p:cNvPr id="5" name="Content Placeholder 2">
+            <a:extLst>
+              <a:ext uri="{FF2B5EF4-FFF2-40B4-BE49-F238E27FC236}">
+                <a16:creationId xmlns:a16="http://schemas.microsoft.com/office/drawing/2014/main" id="{EA060A1F-DA67-DB2D-59B3-FAB316A5A5D9}"/>
+              </a:ext>
+            </a:extLst>
+          </p:cNvPr>
+          <p:cNvSpPr txBox="1">
+            <a:spLocks/>
+          </p:cNvSpPr>
+          <p:nvPr/>
+        </p:nvSpPr>
+        <p:spPr>
+          <a:xfrm>
+            <a:off x="206336" y="4241298"/>
+            <a:ext cx="10610890" cy="455374"/>
+          </a:xfrm>
+          <a:prstGeom prst="rect">
+            <a:avLst/>
+          </a:prstGeom>
+        </p:spPr>
+        <p:txBody>
+          <a:bodyPr vert="horz" lIns="91440" tIns="45720" rIns="91440" bIns="45720" rtlCol="0" anchor="t" anchorCtr="0">
+            <a:noAutofit/>
+          </a:bodyPr>
+          <a:lstStyle>
+            <a:lvl1pPr marL="285750" indent="-285750" algn="l" defTabSz="457200" rtl="0" eaLnBrk="1" latinLnBrk="0" hangingPunct="1">
+              <a:spcBef>
+                <a:spcPts val="0"/>
+              </a:spcBef>
+              <a:spcAft>
+                <a:spcPts val="1000"/>
+              </a:spcAft>
+              <a:buClr>
+                <a:schemeClr val="tx1"/>
+              </a:buClr>
+              <a:buSzPct val="100000"/>
+              <a:buFont typeface="Arial"/>
+              <a:buChar char="•"/>
+              <a:defRPr sz="1800" kern="1200" cap="none">
+                <a:solidFill>
+                  <a:schemeClr val="tx1"/>
+                </a:solidFill>
+                <a:effectLst/>
+                <a:latin typeface="+mn-lt"/>
+                <a:ea typeface="+mn-ea"/>
+                <a:cs typeface="+mn-cs"/>
+              </a:defRPr>
+            </a:lvl1pPr>
+            <a:lvl2pPr marL="742950" indent="-285750" algn="l" defTabSz="457200" rtl="0" eaLnBrk="1" latinLnBrk="0" hangingPunct="1">
+              <a:spcBef>
+                <a:spcPts val="0"/>
+              </a:spcBef>
+              <a:spcAft>
+                <a:spcPts val="1000"/>
+              </a:spcAft>
+              <a:buClr>
+                <a:schemeClr val="tx1"/>
+              </a:buClr>
+              <a:buSzPct val="100000"/>
+              <a:buFont typeface="Arial"/>
+              <a:buChar char="•"/>
+              <a:defRPr sz="1600" kern="1200" cap="none">
+                <a:solidFill>
+                  <a:schemeClr val="tx1"/>
+                </a:solidFill>
+                <a:effectLst/>
+                <a:latin typeface="+mn-lt"/>
+                <a:ea typeface="+mn-ea"/>
+                <a:cs typeface="+mn-cs"/>
+              </a:defRPr>
+            </a:lvl2pPr>
+            <a:lvl3pPr marL="1200150" indent="-285750" algn="l" defTabSz="457200" rtl="0" eaLnBrk="1" latinLnBrk="0" hangingPunct="1">
+              <a:spcBef>
+                <a:spcPts val="0"/>
+              </a:spcBef>
+              <a:spcAft>
+                <a:spcPts val="1000"/>
+              </a:spcAft>
+              <a:buClr>
+                <a:schemeClr val="tx1"/>
+              </a:buClr>
+              <a:buSzPct val="100000"/>
+              <a:buFont typeface="Arial"/>
+              <a:buChar char="•"/>
+              <a:defRPr sz="1400" kern="1200" cap="none">
+                <a:solidFill>
+                  <a:schemeClr val="tx1"/>
+                </a:solidFill>
+                <a:effectLst/>
+                <a:latin typeface="+mn-lt"/>
+                <a:ea typeface="+mn-ea"/>
+                <a:cs typeface="+mn-cs"/>
+              </a:defRPr>
+            </a:lvl3pPr>
+            <a:lvl4pPr marL="1543050" indent="-171450" algn="l" defTabSz="457200" rtl="0" eaLnBrk="1" latinLnBrk="0" hangingPunct="1">
+              <a:spcBef>
+                <a:spcPts val="0"/>
+              </a:spcBef>
+              <a:spcAft>
+                <a:spcPts val="1000"/>
+              </a:spcAft>
+              <a:buClr>
+                <a:schemeClr val="tx1"/>
+              </a:buClr>
+              <a:buSzPct val="100000"/>
+              <a:buFont typeface="Arial"/>
+              <a:buChar char="•"/>
+              <a:defRPr sz="1200" kern="1200" cap="none">
+                <a:solidFill>
+                  <a:schemeClr val="tx1"/>
+                </a:solidFill>
+                <a:effectLst/>
+                <a:latin typeface="+mn-lt"/>
+                <a:ea typeface="+mn-ea"/>
+                <a:cs typeface="+mn-cs"/>
+              </a:defRPr>
+            </a:lvl4pPr>
+            <a:lvl5pPr marL="2000250" indent="-171450" algn="l" defTabSz="457200" rtl="0" eaLnBrk="1" latinLnBrk="0" hangingPunct="1">
+              <a:spcBef>
+                <a:spcPts val="0"/>
+              </a:spcBef>
+              <a:spcAft>
+                <a:spcPts val="1000"/>
+              </a:spcAft>
+              <a:buClr>
+                <a:schemeClr val="tx1"/>
+              </a:buClr>
+              <a:buSzPct val="100000"/>
+              <a:buFont typeface="Arial"/>
+              <a:buChar char="•"/>
+              <a:defRPr sz="1200" kern="1200" cap="none">
+                <a:solidFill>
+                  <a:schemeClr val="tx1"/>
+                </a:solidFill>
+                <a:effectLst/>
+                <a:latin typeface="+mn-lt"/>
+                <a:ea typeface="+mn-ea"/>
+                <a:cs typeface="+mn-cs"/>
+              </a:defRPr>
+            </a:lvl5pPr>
+            <a:lvl6pPr marL="2514600" indent="-228600" algn="l" defTabSz="457200" rtl="0" eaLnBrk="1" latinLnBrk="0" hangingPunct="1">
+              <a:spcBef>
+                <a:spcPts val="0"/>
+              </a:spcBef>
+              <a:spcAft>
+                <a:spcPts val="1000"/>
+              </a:spcAft>
+              <a:buClr>
+                <a:schemeClr val="tx1"/>
+              </a:buClr>
+              <a:buSzPct val="100000"/>
+              <a:buFont typeface="Arial"/>
+              <a:buChar char="•"/>
+              <a:defRPr sz="1200" kern="1200" cap="none">
+                <a:solidFill>
+                  <a:schemeClr val="tx1"/>
+                </a:solidFill>
+                <a:effectLst/>
+                <a:latin typeface="+mn-lt"/>
+                <a:ea typeface="+mn-ea"/>
+                <a:cs typeface="+mn-cs"/>
+              </a:defRPr>
+            </a:lvl6pPr>
+            <a:lvl7pPr marL="2971800" indent="-228600" algn="l" defTabSz="457200" rtl="0" eaLnBrk="1" latinLnBrk="0" hangingPunct="1">
+              <a:spcBef>
+                <a:spcPts val="0"/>
+              </a:spcBef>
+              <a:spcAft>
+                <a:spcPts val="1000"/>
+              </a:spcAft>
+              <a:buClr>
+                <a:schemeClr val="tx1"/>
+              </a:buClr>
+              <a:buSzPct val="100000"/>
+              <a:buFont typeface="Arial"/>
+              <a:buChar char="•"/>
+              <a:defRPr sz="1200" kern="1200" cap="none">
+                <a:solidFill>
+                  <a:schemeClr val="tx1"/>
+                </a:solidFill>
+                <a:effectLst/>
+                <a:latin typeface="+mn-lt"/>
+                <a:ea typeface="+mn-ea"/>
+                <a:cs typeface="+mn-cs"/>
+              </a:defRPr>
+            </a:lvl7pPr>
+            <a:lvl8pPr marL="3429000" indent="-228600" algn="l" defTabSz="457200" rtl="0" eaLnBrk="1" latinLnBrk="0" hangingPunct="1">
+              <a:spcBef>
+                <a:spcPts val="0"/>
+              </a:spcBef>
+              <a:spcAft>
+                <a:spcPts val="1000"/>
+              </a:spcAft>
+              <a:buClr>
+                <a:schemeClr val="tx1"/>
+              </a:buClr>
+              <a:buSzPct val="100000"/>
+              <a:buFont typeface="Arial"/>
+              <a:buChar char="•"/>
+              <a:defRPr sz="1200" kern="1200" cap="none">
+                <a:solidFill>
+                  <a:schemeClr val="tx1"/>
+                </a:solidFill>
+                <a:effectLst/>
+                <a:latin typeface="+mn-lt"/>
+                <a:ea typeface="+mn-ea"/>
+                <a:cs typeface="+mn-cs"/>
+              </a:defRPr>
+            </a:lvl8pPr>
+            <a:lvl9pPr marL="3886200" indent="-228600" algn="l" defTabSz="457200" rtl="0" eaLnBrk="1" latinLnBrk="0" hangingPunct="1">
+              <a:spcBef>
+                <a:spcPts val="0"/>
+              </a:spcBef>
+              <a:spcAft>
+                <a:spcPts val="1000"/>
+              </a:spcAft>
+              <a:buClr>
+                <a:schemeClr val="tx1"/>
+              </a:buClr>
+              <a:buSzPct val="100000"/>
+              <a:buFont typeface="Arial"/>
+              <a:buChar char="•"/>
+              <a:defRPr sz="1200" kern="1200" cap="none">
+                <a:solidFill>
+                  <a:schemeClr val="tx1"/>
+                </a:solidFill>
+                <a:effectLst/>
+                <a:latin typeface="+mn-lt"/>
+                <a:ea typeface="+mn-ea"/>
+                <a:cs typeface="+mn-cs"/>
+              </a:defRPr>
+            </a:lvl9pPr>
+          </a:lstStyle>
           <a:p>
             <a:pPr marL="0" indent="0">
               <a:buFont typeface="Arial"/>
@@ -7802,7 +7710,42 @@
             </a:pPr>
             <a:r>
               <a:rPr lang="en-US" sz="2000" dirty="0"/>
-              <a:t>Security and Billing are enabled in this way</a:t>
+              <a:t>Max tokens is essentially the number of words the response can contain</a:t>
+            </a:r>
+          </a:p>
+          <a:p>
+            <a:pPr marL="0" indent="0">
+              <a:buFont typeface="Arial"/>
+              <a:buNone/>
+            </a:pPr>
+            <a:r>
+              <a:rPr lang="en-US" sz="2000" dirty="0"/>
+              <a:t>Remember that most models have a maximum number of tokens for request + response (i.e. 8K), so keep this in mind when setting </a:t>
+            </a:r>
+            <a:r>
+              <a:rPr lang="en-US" sz="2000" dirty="0" err="1"/>
+              <a:t>max_tokens</a:t>
+            </a:r>
+            <a:endParaRPr lang="en-US" sz="2000" dirty="0"/>
+          </a:p>
+          <a:p>
+            <a:pPr marL="0" indent="0">
+              <a:buFont typeface="Arial"/>
+              <a:buNone/>
+            </a:pPr>
+            <a:r>
+              <a:rPr lang="en-US" sz="2000" dirty="0"/>
+              <a:t>Temperature is a “creativity setting”.  More temperature for more variation in responses, less temp for more consistent responses.</a:t>
+            </a:r>
+          </a:p>
+          <a:p>
+            <a:pPr marL="0" indent="0">
+              <a:buFont typeface="Arial"/>
+              <a:buNone/>
+            </a:pPr>
+            <a:r>
+              <a:rPr lang="en-US" sz="2000" dirty="0"/>
+              <a:t>Note the specific instructions and low temperature setting, in this case we want a consistent format for each response.</a:t>
             </a:r>
           </a:p>
         </p:txBody>
@@ -7810,7 +7753,7 @@
     </p:spTree>
     <p:extLst>
       <p:ext uri="{BB962C8B-B14F-4D97-AF65-F5344CB8AC3E}">
-        <p14:creationId xmlns:p14="http://schemas.microsoft.com/office/powerpoint/2010/main" val="2648920408"/>
+        <p14:creationId xmlns:p14="http://schemas.microsoft.com/office/powerpoint/2010/main" val="2045029490"/>
       </p:ext>
     </p:extLst>
   </p:cSld>
@@ -7866,16 +7809,9 @@
           <a:lstStyle/>
           <a:p>
             <a:r>
-              <a:rPr lang="en-US" dirty="0" err="1"/>
-              <a:t>cREATING</a:t>
-            </a:r>
-            <a:r>
               <a:rPr lang="en-US" dirty="0"/>
-              <a:t> THE LLM PROMPT</a:t>
-            </a:r>
-            <a:br>
-              <a:rPr lang="en-US" dirty="0"/>
-            </a:br>
+              <a:t>Calling the LLM API and EXTRACTING RESULTS</a:t>
+            </a:r>
             <a:br>
               <a:rPr lang="en-US" dirty="0"/>
             </a:br>
@@ -8126,41 +8062,19 @@
             </a:pPr>
             <a:r>
               <a:rPr lang="en-US" sz="2000" dirty="0"/>
-              <a:t>This creates the prompt that the LLM is going to respond to</a:t>
-            </a:r>
-          </a:p>
-        </p:txBody>
-      </p:sp>
-      <p:pic>
-        <p:nvPicPr>
-          <p:cNvPr id="4" name="Picture 3" descr="A close-up of a text&#10;&#10;Description automatically generated">
-            <a:extLst>
-              <a:ext uri="{FF2B5EF4-FFF2-40B4-BE49-F238E27FC236}">
-                <a16:creationId xmlns:a16="http://schemas.microsoft.com/office/drawing/2014/main" id="{BBE11BB0-C8B7-22D1-D086-BAC5B36CB904}"/>
-              </a:ext>
-            </a:extLst>
-          </p:cNvPr>
-          <p:cNvPicPr>
-            <a:picLocks noChangeAspect="1"/>
-          </p:cNvPicPr>
-          <p:nvPr/>
-        </p:nvPicPr>
-        <p:blipFill>
-          <a:blip r:embed="rId2"/>
-          <a:stretch>
-            <a:fillRect/>
-          </a:stretch>
-        </p:blipFill>
-        <p:spPr>
-          <a:xfrm>
-            <a:off x="270577" y="1653254"/>
-            <a:ext cx="11476280" cy="2329928"/>
-          </a:xfrm>
-          <a:prstGeom prst="rect">
-            <a:avLst/>
-          </a:prstGeom>
-        </p:spPr>
-      </p:pic>
+              <a:t>Using the URL, </a:t>
+            </a:r>
+            <a:r>
+              <a:rPr lang="en-US" sz="2000" dirty="0" err="1"/>
+              <a:t>api_key</a:t>
+            </a:r>
+            <a:r>
+              <a:rPr lang="en-US" sz="2000" dirty="0"/>
+              <a:t>, and prompt, call the LLM API</a:t>
+            </a:r>
+          </a:p>
+        </p:txBody>
+      </p:sp>
       <p:sp>
         <p:nvSpPr>
           <p:cNvPr id="5" name="Content Placeholder 2">
@@ -8177,7 +8091,7 @@
         </p:nvSpPr>
         <p:spPr>
           <a:xfrm>
-            <a:off x="206336" y="4241298"/>
+            <a:off x="334819" y="4781405"/>
             <a:ext cx="10610890" cy="455374"/>
           </a:xfrm>
           <a:prstGeom prst="rect">
@@ -8404,50 +8318,69 @@
             </a:pPr>
             <a:r>
               <a:rPr lang="en-US" sz="2000" dirty="0"/>
-              <a:t>Max tokens is essentially the number of words the response can contain</a:t>
-            </a:r>
-          </a:p>
-          <a:p>
-            <a:pPr marL="0" indent="0">
-              <a:buFont typeface="Arial"/>
-              <a:buNone/>
-            </a:pPr>
+              <a:t>The response will be in </a:t>
+            </a:r>
+            <a:r>
+              <a:rPr lang="en-US" sz="2000" dirty="0" err="1"/>
+              <a:t>Javascript</a:t>
+            </a:r>
             <a:r>
               <a:rPr lang="en-US" sz="2000" dirty="0"/>
-              <a:t>Remember that most models have a maximum number of tokens for request + response (i.e. 8K), so keep this in mind when setting </a:t>
+              <a:t> Object Notation (</a:t>
             </a:r>
             <a:r>
               <a:rPr lang="en-US" sz="2000" dirty="0" err="1"/>
-              <a:t>max_tokens</a:t>
-            </a:r>
-            <a:endParaRPr lang="en-US" sz="2000" dirty="0"/>
-          </a:p>
-          <a:p>
-            <a:pPr marL="0" indent="0">
-              <a:buFont typeface="Arial"/>
-              <a:buNone/>
-            </a:pPr>
+              <a:t>json</a:t>
+            </a:r>
             <a:r>
               <a:rPr lang="en-US" sz="2000" dirty="0"/>
-              <a:t>Temperature is a “creativity setting”.  More temperature for more variation in responses, less temp for more consistent responses.</a:t>
-            </a:r>
-          </a:p>
-          <a:p>
-            <a:pPr marL="0" indent="0">
-              <a:buFont typeface="Arial"/>
-              <a:buNone/>
-            </a:pPr>
+              <a:t>).   We can parse out the specific text of the response  via </a:t>
+            </a:r>
+            <a:r>
+              <a:rPr lang="en-US" sz="2000" dirty="0" err="1"/>
+              <a:t>response_json</a:t>
+            </a:r>
             <a:r>
               <a:rPr lang="en-US" sz="2000" dirty="0"/>
-              <a:t>Note the specific instructions and low temperature setting, in this case we want a consistent format for each response.</a:t>
-            </a:r>
-          </a:p>
-        </p:txBody>
-      </p:sp>
+              <a:t>[‘choices’][0][‘message’][‘content’]</a:t>
+            </a:r>
+          </a:p>
+        </p:txBody>
+      </p:sp>
+      <p:pic>
+        <p:nvPicPr>
+          <p:cNvPr id="12" name="Picture 11">
+            <a:extLst>
+              <a:ext uri="{FF2B5EF4-FFF2-40B4-BE49-F238E27FC236}">
+                <a16:creationId xmlns:a16="http://schemas.microsoft.com/office/drawing/2014/main" id="{A04A4C06-38D8-5921-E2B5-1699965E2B43}"/>
+              </a:ext>
+            </a:extLst>
+          </p:cNvPr>
+          <p:cNvPicPr>
+            <a:picLocks noChangeAspect="1"/>
+          </p:cNvPicPr>
+          <p:nvPr/>
+        </p:nvPicPr>
+        <p:blipFill>
+          <a:blip r:embed="rId2"/>
+          <a:stretch>
+            <a:fillRect/>
+          </a:stretch>
+        </p:blipFill>
+        <p:spPr>
+          <a:xfrm>
+            <a:off x="432923" y="1621221"/>
+            <a:ext cx="7065077" cy="2722179"/>
+          </a:xfrm>
+          <a:prstGeom prst="rect">
+            <a:avLst/>
+          </a:prstGeom>
+        </p:spPr>
+      </p:pic>
     </p:spTree>
     <p:extLst>
       <p:ext uri="{BB962C8B-B14F-4D97-AF65-F5344CB8AC3E}">
-        <p14:creationId xmlns:p14="http://schemas.microsoft.com/office/powerpoint/2010/main" val="2045029490"/>
+        <p14:creationId xmlns:p14="http://schemas.microsoft.com/office/powerpoint/2010/main" val="2185014208"/>
       </p:ext>
     </p:extLst>
   </p:cSld>
@@ -8492,8 +8425,8 @@
         </p:nvSpPr>
         <p:spPr>
           <a:xfrm>
-            <a:off x="334819" y="517235"/>
-            <a:ext cx="10482407" cy="743067"/>
+            <a:off x="334819" y="157019"/>
+            <a:ext cx="10482407" cy="905164"/>
           </a:xfrm>
         </p:spPr>
         <p:txBody>
@@ -8504,549 +8437,17 @@
           <a:p>
             <a:r>
               <a:rPr lang="en-US" dirty="0"/>
-              <a:t>Calling the LLM API and EXTRACTING RESULTS</a:t>
-            </a:r>
-            <a:br>
-              <a:rPr lang="en-US" dirty="0"/>
-            </a:br>
-            <a:endParaRPr lang="en-US" dirty="0"/>
-          </a:p>
-        </p:txBody>
-      </p:sp>
-      <p:sp>
-        <p:nvSpPr>
-          <p:cNvPr id="16" name="Content Placeholder 2">
+              <a:t>We can now call the Function in a loop and compete our task</a:t>
+            </a:r>
+          </a:p>
+        </p:txBody>
+      </p:sp>
+      <p:pic>
+        <p:nvPicPr>
+          <p:cNvPr id="7" name="Picture 6" descr="A screenshot of a computer&#10;&#10;Description automatically generated">
             <a:extLst>
               <a:ext uri="{FF2B5EF4-FFF2-40B4-BE49-F238E27FC236}">
-                <a16:creationId xmlns:a16="http://schemas.microsoft.com/office/drawing/2014/main" id="{38877F4E-83DD-55D5-EFA8-AD8B15A69015}"/>
-              </a:ext>
-            </a:extLst>
-          </p:cNvPr>
-          <p:cNvSpPr txBox="1">
-            <a:spLocks/>
-          </p:cNvSpPr>
-          <p:nvPr/>
-        </p:nvSpPr>
-        <p:spPr>
-          <a:xfrm>
-            <a:off x="270577" y="1008350"/>
-            <a:ext cx="10610890" cy="455374"/>
-          </a:xfrm>
-          <a:prstGeom prst="rect">
-            <a:avLst/>
-          </a:prstGeom>
-        </p:spPr>
-        <p:txBody>
-          <a:bodyPr vert="horz" lIns="91440" tIns="45720" rIns="91440" bIns="45720" rtlCol="0" anchor="t" anchorCtr="0">
-            <a:noAutofit/>
-          </a:bodyPr>
-          <a:lstStyle>
-            <a:lvl1pPr marL="285750" indent="-285750" algn="l" defTabSz="457200" rtl="0" eaLnBrk="1" latinLnBrk="0" hangingPunct="1">
-              <a:spcBef>
-                <a:spcPts val="0"/>
-              </a:spcBef>
-              <a:spcAft>
-                <a:spcPts val="1000"/>
-              </a:spcAft>
-              <a:buClr>
-                <a:schemeClr val="tx1"/>
-              </a:buClr>
-              <a:buSzPct val="100000"/>
-              <a:buFont typeface="Arial"/>
-              <a:buChar char="•"/>
-              <a:defRPr sz="1800" kern="1200" cap="none">
-                <a:solidFill>
-                  <a:schemeClr val="tx1"/>
-                </a:solidFill>
-                <a:effectLst/>
-                <a:latin typeface="+mn-lt"/>
-                <a:ea typeface="+mn-ea"/>
-                <a:cs typeface="+mn-cs"/>
-              </a:defRPr>
-            </a:lvl1pPr>
-            <a:lvl2pPr marL="742950" indent="-285750" algn="l" defTabSz="457200" rtl="0" eaLnBrk="1" latinLnBrk="0" hangingPunct="1">
-              <a:spcBef>
-                <a:spcPts val="0"/>
-              </a:spcBef>
-              <a:spcAft>
-                <a:spcPts val="1000"/>
-              </a:spcAft>
-              <a:buClr>
-                <a:schemeClr val="tx1"/>
-              </a:buClr>
-              <a:buSzPct val="100000"/>
-              <a:buFont typeface="Arial"/>
-              <a:buChar char="•"/>
-              <a:defRPr sz="1600" kern="1200" cap="none">
-                <a:solidFill>
-                  <a:schemeClr val="tx1"/>
-                </a:solidFill>
-                <a:effectLst/>
-                <a:latin typeface="+mn-lt"/>
-                <a:ea typeface="+mn-ea"/>
-                <a:cs typeface="+mn-cs"/>
-              </a:defRPr>
-            </a:lvl2pPr>
-            <a:lvl3pPr marL="1200150" indent="-285750" algn="l" defTabSz="457200" rtl="0" eaLnBrk="1" latinLnBrk="0" hangingPunct="1">
-              <a:spcBef>
-                <a:spcPts val="0"/>
-              </a:spcBef>
-              <a:spcAft>
-                <a:spcPts val="1000"/>
-              </a:spcAft>
-              <a:buClr>
-                <a:schemeClr val="tx1"/>
-              </a:buClr>
-              <a:buSzPct val="100000"/>
-              <a:buFont typeface="Arial"/>
-              <a:buChar char="•"/>
-              <a:defRPr sz="1400" kern="1200" cap="none">
-                <a:solidFill>
-                  <a:schemeClr val="tx1"/>
-                </a:solidFill>
-                <a:effectLst/>
-                <a:latin typeface="+mn-lt"/>
-                <a:ea typeface="+mn-ea"/>
-                <a:cs typeface="+mn-cs"/>
-              </a:defRPr>
-            </a:lvl3pPr>
-            <a:lvl4pPr marL="1543050" indent="-171450" algn="l" defTabSz="457200" rtl="0" eaLnBrk="1" latinLnBrk="0" hangingPunct="1">
-              <a:spcBef>
-                <a:spcPts val="0"/>
-              </a:spcBef>
-              <a:spcAft>
-                <a:spcPts val="1000"/>
-              </a:spcAft>
-              <a:buClr>
-                <a:schemeClr val="tx1"/>
-              </a:buClr>
-              <a:buSzPct val="100000"/>
-              <a:buFont typeface="Arial"/>
-              <a:buChar char="•"/>
-              <a:defRPr sz="1200" kern="1200" cap="none">
-                <a:solidFill>
-                  <a:schemeClr val="tx1"/>
-                </a:solidFill>
-                <a:effectLst/>
-                <a:latin typeface="+mn-lt"/>
-                <a:ea typeface="+mn-ea"/>
-                <a:cs typeface="+mn-cs"/>
-              </a:defRPr>
-            </a:lvl4pPr>
-            <a:lvl5pPr marL="2000250" indent="-171450" algn="l" defTabSz="457200" rtl="0" eaLnBrk="1" latinLnBrk="0" hangingPunct="1">
-              <a:spcBef>
-                <a:spcPts val="0"/>
-              </a:spcBef>
-              <a:spcAft>
-                <a:spcPts val="1000"/>
-              </a:spcAft>
-              <a:buClr>
-                <a:schemeClr val="tx1"/>
-              </a:buClr>
-              <a:buSzPct val="100000"/>
-              <a:buFont typeface="Arial"/>
-              <a:buChar char="•"/>
-              <a:defRPr sz="1200" kern="1200" cap="none">
-                <a:solidFill>
-                  <a:schemeClr val="tx1"/>
-                </a:solidFill>
-                <a:effectLst/>
-                <a:latin typeface="+mn-lt"/>
-                <a:ea typeface="+mn-ea"/>
-                <a:cs typeface="+mn-cs"/>
-              </a:defRPr>
-            </a:lvl5pPr>
-            <a:lvl6pPr marL="2514600" indent="-228600" algn="l" defTabSz="457200" rtl="0" eaLnBrk="1" latinLnBrk="0" hangingPunct="1">
-              <a:spcBef>
-                <a:spcPts val="0"/>
-              </a:spcBef>
-              <a:spcAft>
-                <a:spcPts val="1000"/>
-              </a:spcAft>
-              <a:buClr>
-                <a:schemeClr val="tx1"/>
-              </a:buClr>
-              <a:buSzPct val="100000"/>
-              <a:buFont typeface="Arial"/>
-              <a:buChar char="•"/>
-              <a:defRPr sz="1200" kern="1200" cap="none">
-                <a:solidFill>
-                  <a:schemeClr val="tx1"/>
-                </a:solidFill>
-                <a:effectLst/>
-                <a:latin typeface="+mn-lt"/>
-                <a:ea typeface="+mn-ea"/>
-                <a:cs typeface="+mn-cs"/>
-              </a:defRPr>
-            </a:lvl6pPr>
-            <a:lvl7pPr marL="2971800" indent="-228600" algn="l" defTabSz="457200" rtl="0" eaLnBrk="1" latinLnBrk="0" hangingPunct="1">
-              <a:spcBef>
-                <a:spcPts val="0"/>
-              </a:spcBef>
-              <a:spcAft>
-                <a:spcPts val="1000"/>
-              </a:spcAft>
-              <a:buClr>
-                <a:schemeClr val="tx1"/>
-              </a:buClr>
-              <a:buSzPct val="100000"/>
-              <a:buFont typeface="Arial"/>
-              <a:buChar char="•"/>
-              <a:defRPr sz="1200" kern="1200" cap="none">
-                <a:solidFill>
-                  <a:schemeClr val="tx1"/>
-                </a:solidFill>
-                <a:effectLst/>
-                <a:latin typeface="+mn-lt"/>
-                <a:ea typeface="+mn-ea"/>
-                <a:cs typeface="+mn-cs"/>
-              </a:defRPr>
-            </a:lvl7pPr>
-            <a:lvl8pPr marL="3429000" indent="-228600" algn="l" defTabSz="457200" rtl="0" eaLnBrk="1" latinLnBrk="0" hangingPunct="1">
-              <a:spcBef>
-                <a:spcPts val="0"/>
-              </a:spcBef>
-              <a:spcAft>
-                <a:spcPts val="1000"/>
-              </a:spcAft>
-              <a:buClr>
-                <a:schemeClr val="tx1"/>
-              </a:buClr>
-              <a:buSzPct val="100000"/>
-              <a:buFont typeface="Arial"/>
-              <a:buChar char="•"/>
-              <a:defRPr sz="1200" kern="1200" cap="none">
-                <a:solidFill>
-                  <a:schemeClr val="tx1"/>
-                </a:solidFill>
-                <a:effectLst/>
-                <a:latin typeface="+mn-lt"/>
-                <a:ea typeface="+mn-ea"/>
-                <a:cs typeface="+mn-cs"/>
-              </a:defRPr>
-            </a:lvl8pPr>
-            <a:lvl9pPr marL="3886200" indent="-228600" algn="l" defTabSz="457200" rtl="0" eaLnBrk="1" latinLnBrk="0" hangingPunct="1">
-              <a:spcBef>
-                <a:spcPts val="0"/>
-              </a:spcBef>
-              <a:spcAft>
-                <a:spcPts val="1000"/>
-              </a:spcAft>
-              <a:buClr>
-                <a:schemeClr val="tx1"/>
-              </a:buClr>
-              <a:buSzPct val="100000"/>
-              <a:buFont typeface="Arial"/>
-              <a:buChar char="•"/>
-              <a:defRPr sz="1200" kern="1200" cap="none">
-                <a:solidFill>
-                  <a:schemeClr val="tx1"/>
-                </a:solidFill>
-                <a:effectLst/>
-                <a:latin typeface="+mn-lt"/>
-                <a:ea typeface="+mn-ea"/>
-                <a:cs typeface="+mn-cs"/>
-              </a:defRPr>
-            </a:lvl9pPr>
-          </a:lstStyle>
-          <a:p>
-            <a:pPr marL="0" indent="0">
-              <a:buFont typeface="Arial"/>
-              <a:buNone/>
-            </a:pPr>
-            <a:r>
-              <a:rPr lang="en-US" sz="2000" dirty="0"/>
-              <a:t>Using the URL, </a:t>
-            </a:r>
-            <a:r>
-              <a:rPr lang="en-US" sz="2000" dirty="0" err="1"/>
-              <a:t>api_key</a:t>
-            </a:r>
-            <a:r>
-              <a:rPr lang="en-US" sz="2000" dirty="0"/>
-              <a:t>, and prompt, call the LLM API</a:t>
-            </a:r>
-          </a:p>
-        </p:txBody>
-      </p:sp>
-      <p:sp>
-        <p:nvSpPr>
-          <p:cNvPr id="5" name="Content Placeholder 2">
-            <a:extLst>
-              <a:ext uri="{FF2B5EF4-FFF2-40B4-BE49-F238E27FC236}">
-                <a16:creationId xmlns:a16="http://schemas.microsoft.com/office/drawing/2014/main" id="{EA060A1F-DA67-DB2D-59B3-FAB316A5A5D9}"/>
-              </a:ext>
-            </a:extLst>
-          </p:cNvPr>
-          <p:cNvSpPr txBox="1">
-            <a:spLocks/>
-          </p:cNvSpPr>
-          <p:nvPr/>
-        </p:nvSpPr>
-        <p:spPr>
-          <a:xfrm>
-            <a:off x="334819" y="4781405"/>
-            <a:ext cx="10610890" cy="455374"/>
-          </a:xfrm>
-          <a:prstGeom prst="rect">
-            <a:avLst/>
-          </a:prstGeom>
-        </p:spPr>
-        <p:txBody>
-          <a:bodyPr vert="horz" lIns="91440" tIns="45720" rIns="91440" bIns="45720" rtlCol="0" anchor="t" anchorCtr="0">
-            <a:noAutofit/>
-          </a:bodyPr>
-          <a:lstStyle>
-            <a:lvl1pPr marL="285750" indent="-285750" algn="l" defTabSz="457200" rtl="0" eaLnBrk="1" latinLnBrk="0" hangingPunct="1">
-              <a:spcBef>
-                <a:spcPts val="0"/>
-              </a:spcBef>
-              <a:spcAft>
-                <a:spcPts val="1000"/>
-              </a:spcAft>
-              <a:buClr>
-                <a:schemeClr val="tx1"/>
-              </a:buClr>
-              <a:buSzPct val="100000"/>
-              <a:buFont typeface="Arial"/>
-              <a:buChar char="•"/>
-              <a:defRPr sz="1800" kern="1200" cap="none">
-                <a:solidFill>
-                  <a:schemeClr val="tx1"/>
-                </a:solidFill>
-                <a:effectLst/>
-                <a:latin typeface="+mn-lt"/>
-                <a:ea typeface="+mn-ea"/>
-                <a:cs typeface="+mn-cs"/>
-              </a:defRPr>
-            </a:lvl1pPr>
-            <a:lvl2pPr marL="742950" indent="-285750" algn="l" defTabSz="457200" rtl="0" eaLnBrk="1" latinLnBrk="0" hangingPunct="1">
-              <a:spcBef>
-                <a:spcPts val="0"/>
-              </a:spcBef>
-              <a:spcAft>
-                <a:spcPts val="1000"/>
-              </a:spcAft>
-              <a:buClr>
-                <a:schemeClr val="tx1"/>
-              </a:buClr>
-              <a:buSzPct val="100000"/>
-              <a:buFont typeface="Arial"/>
-              <a:buChar char="•"/>
-              <a:defRPr sz="1600" kern="1200" cap="none">
-                <a:solidFill>
-                  <a:schemeClr val="tx1"/>
-                </a:solidFill>
-                <a:effectLst/>
-                <a:latin typeface="+mn-lt"/>
-                <a:ea typeface="+mn-ea"/>
-                <a:cs typeface="+mn-cs"/>
-              </a:defRPr>
-            </a:lvl2pPr>
-            <a:lvl3pPr marL="1200150" indent="-285750" algn="l" defTabSz="457200" rtl="0" eaLnBrk="1" latinLnBrk="0" hangingPunct="1">
-              <a:spcBef>
-                <a:spcPts val="0"/>
-              </a:spcBef>
-              <a:spcAft>
-                <a:spcPts val="1000"/>
-              </a:spcAft>
-              <a:buClr>
-                <a:schemeClr val="tx1"/>
-              </a:buClr>
-              <a:buSzPct val="100000"/>
-              <a:buFont typeface="Arial"/>
-              <a:buChar char="•"/>
-              <a:defRPr sz="1400" kern="1200" cap="none">
-                <a:solidFill>
-                  <a:schemeClr val="tx1"/>
-                </a:solidFill>
-                <a:effectLst/>
-                <a:latin typeface="+mn-lt"/>
-                <a:ea typeface="+mn-ea"/>
-                <a:cs typeface="+mn-cs"/>
-              </a:defRPr>
-            </a:lvl3pPr>
-            <a:lvl4pPr marL="1543050" indent="-171450" algn="l" defTabSz="457200" rtl="0" eaLnBrk="1" latinLnBrk="0" hangingPunct="1">
-              <a:spcBef>
-                <a:spcPts val="0"/>
-              </a:spcBef>
-              <a:spcAft>
-                <a:spcPts val="1000"/>
-              </a:spcAft>
-              <a:buClr>
-                <a:schemeClr val="tx1"/>
-              </a:buClr>
-              <a:buSzPct val="100000"/>
-              <a:buFont typeface="Arial"/>
-              <a:buChar char="•"/>
-              <a:defRPr sz="1200" kern="1200" cap="none">
-                <a:solidFill>
-                  <a:schemeClr val="tx1"/>
-                </a:solidFill>
-                <a:effectLst/>
-                <a:latin typeface="+mn-lt"/>
-                <a:ea typeface="+mn-ea"/>
-                <a:cs typeface="+mn-cs"/>
-              </a:defRPr>
-            </a:lvl4pPr>
-            <a:lvl5pPr marL="2000250" indent="-171450" algn="l" defTabSz="457200" rtl="0" eaLnBrk="1" latinLnBrk="0" hangingPunct="1">
-              <a:spcBef>
-                <a:spcPts val="0"/>
-              </a:spcBef>
-              <a:spcAft>
-                <a:spcPts val="1000"/>
-              </a:spcAft>
-              <a:buClr>
-                <a:schemeClr val="tx1"/>
-              </a:buClr>
-              <a:buSzPct val="100000"/>
-              <a:buFont typeface="Arial"/>
-              <a:buChar char="•"/>
-              <a:defRPr sz="1200" kern="1200" cap="none">
-                <a:solidFill>
-                  <a:schemeClr val="tx1"/>
-                </a:solidFill>
-                <a:effectLst/>
-                <a:latin typeface="+mn-lt"/>
-                <a:ea typeface="+mn-ea"/>
-                <a:cs typeface="+mn-cs"/>
-              </a:defRPr>
-            </a:lvl5pPr>
-            <a:lvl6pPr marL="2514600" indent="-228600" algn="l" defTabSz="457200" rtl="0" eaLnBrk="1" latinLnBrk="0" hangingPunct="1">
-              <a:spcBef>
-                <a:spcPts val="0"/>
-              </a:spcBef>
-              <a:spcAft>
-                <a:spcPts val="1000"/>
-              </a:spcAft>
-              <a:buClr>
-                <a:schemeClr val="tx1"/>
-              </a:buClr>
-              <a:buSzPct val="100000"/>
-              <a:buFont typeface="Arial"/>
-              <a:buChar char="•"/>
-              <a:defRPr sz="1200" kern="1200" cap="none">
-                <a:solidFill>
-                  <a:schemeClr val="tx1"/>
-                </a:solidFill>
-                <a:effectLst/>
-                <a:latin typeface="+mn-lt"/>
-                <a:ea typeface="+mn-ea"/>
-                <a:cs typeface="+mn-cs"/>
-              </a:defRPr>
-            </a:lvl6pPr>
-            <a:lvl7pPr marL="2971800" indent="-228600" algn="l" defTabSz="457200" rtl="0" eaLnBrk="1" latinLnBrk="0" hangingPunct="1">
-              <a:spcBef>
-                <a:spcPts val="0"/>
-              </a:spcBef>
-              <a:spcAft>
-                <a:spcPts val="1000"/>
-              </a:spcAft>
-              <a:buClr>
-                <a:schemeClr val="tx1"/>
-              </a:buClr>
-              <a:buSzPct val="100000"/>
-              <a:buFont typeface="Arial"/>
-              <a:buChar char="•"/>
-              <a:defRPr sz="1200" kern="1200" cap="none">
-                <a:solidFill>
-                  <a:schemeClr val="tx1"/>
-                </a:solidFill>
-                <a:effectLst/>
-                <a:latin typeface="+mn-lt"/>
-                <a:ea typeface="+mn-ea"/>
-                <a:cs typeface="+mn-cs"/>
-              </a:defRPr>
-            </a:lvl7pPr>
-            <a:lvl8pPr marL="3429000" indent="-228600" algn="l" defTabSz="457200" rtl="0" eaLnBrk="1" latinLnBrk="0" hangingPunct="1">
-              <a:spcBef>
-                <a:spcPts val="0"/>
-              </a:spcBef>
-              <a:spcAft>
-                <a:spcPts val="1000"/>
-              </a:spcAft>
-              <a:buClr>
-                <a:schemeClr val="tx1"/>
-              </a:buClr>
-              <a:buSzPct val="100000"/>
-              <a:buFont typeface="Arial"/>
-              <a:buChar char="•"/>
-              <a:defRPr sz="1200" kern="1200" cap="none">
-                <a:solidFill>
-                  <a:schemeClr val="tx1"/>
-                </a:solidFill>
-                <a:effectLst/>
-                <a:latin typeface="+mn-lt"/>
-                <a:ea typeface="+mn-ea"/>
-                <a:cs typeface="+mn-cs"/>
-              </a:defRPr>
-            </a:lvl8pPr>
-            <a:lvl9pPr marL="3886200" indent="-228600" algn="l" defTabSz="457200" rtl="0" eaLnBrk="1" latinLnBrk="0" hangingPunct="1">
-              <a:spcBef>
-                <a:spcPts val="0"/>
-              </a:spcBef>
-              <a:spcAft>
-                <a:spcPts val="1000"/>
-              </a:spcAft>
-              <a:buClr>
-                <a:schemeClr val="tx1"/>
-              </a:buClr>
-              <a:buSzPct val="100000"/>
-              <a:buFont typeface="Arial"/>
-              <a:buChar char="•"/>
-              <a:defRPr sz="1200" kern="1200" cap="none">
-                <a:solidFill>
-                  <a:schemeClr val="tx1"/>
-                </a:solidFill>
-                <a:effectLst/>
-                <a:latin typeface="+mn-lt"/>
-                <a:ea typeface="+mn-ea"/>
-                <a:cs typeface="+mn-cs"/>
-              </a:defRPr>
-            </a:lvl9pPr>
-          </a:lstStyle>
-          <a:p>
-            <a:pPr marL="0" indent="0">
-              <a:buFont typeface="Arial"/>
-              <a:buNone/>
-            </a:pPr>
-            <a:r>
-              <a:rPr lang="en-US" sz="2000" dirty="0"/>
-              <a:t>The response will be in </a:t>
-            </a:r>
-            <a:r>
-              <a:rPr lang="en-US" sz="2000" dirty="0" err="1"/>
-              <a:t>Javascript</a:t>
-            </a:r>
-            <a:r>
-              <a:rPr lang="en-US" sz="2000" dirty="0"/>
-              <a:t> Object Notation (</a:t>
-            </a:r>
-            <a:r>
-              <a:rPr lang="en-US" sz="2000" dirty="0" err="1"/>
-              <a:t>json</a:t>
-            </a:r>
-            <a:r>
-              <a:rPr lang="en-US" sz="2000" dirty="0"/>
-              <a:t>).   We can parse out the specific text of the response  via </a:t>
-            </a:r>
-            <a:r>
-              <a:rPr lang="en-US" sz="2000" dirty="0" err="1"/>
-              <a:t>response_json</a:t>
-            </a:r>
-            <a:r>
-              <a:rPr lang="en-US" sz="2000" dirty="0"/>
-              <a:t>[‘choices’][0][‘message’][‘content’]</a:t>
-            </a:r>
-          </a:p>
-        </p:txBody>
-      </p:sp>
-      <p:pic>
-        <p:nvPicPr>
-          <p:cNvPr id="12" name="Picture 11">
-            <a:extLst>
-              <a:ext uri="{FF2B5EF4-FFF2-40B4-BE49-F238E27FC236}">
-                <a16:creationId xmlns:a16="http://schemas.microsoft.com/office/drawing/2014/main" id="{A04A4C06-38D8-5921-E2B5-1699965E2B43}"/>
+                <a16:creationId xmlns:a16="http://schemas.microsoft.com/office/drawing/2014/main" id="{37E9D1AA-43A1-96BD-0969-3D02E232E7EA}"/>
               </a:ext>
             </a:extLst>
           </p:cNvPr>
@@ -9063,8 +8464,38 @@
         </p:blipFill>
         <p:spPr>
           <a:xfrm>
-            <a:off x="432923" y="1621221"/>
-            <a:ext cx="7065077" cy="2722179"/>
+            <a:off x="478844" y="1105219"/>
+            <a:ext cx="9017582" cy="4357589"/>
+          </a:xfrm>
+          <a:prstGeom prst="rect">
+            <a:avLst/>
+          </a:prstGeom>
+        </p:spPr>
+      </p:pic>
+      <p:pic>
+        <p:nvPicPr>
+          <p:cNvPr id="4" name="Picture 3" descr="A close-up of a computer code&#10;&#10;Description automatically generated">
+            <a:extLst>
+              <a:ext uri="{FF2B5EF4-FFF2-40B4-BE49-F238E27FC236}">
+                <a16:creationId xmlns:a16="http://schemas.microsoft.com/office/drawing/2014/main" id="{EEFA5C2E-1BFC-464C-C715-9D5E6F980CF9}"/>
+              </a:ext>
+            </a:extLst>
+          </p:cNvPr>
+          <p:cNvPicPr>
+            <a:picLocks noChangeAspect="1"/>
+          </p:cNvPicPr>
+          <p:nvPr/>
+        </p:nvPicPr>
+        <p:blipFill>
+          <a:blip r:embed="rId3"/>
+          <a:stretch>
+            <a:fillRect/>
+          </a:stretch>
+        </p:blipFill>
+        <p:spPr>
+          <a:xfrm>
+            <a:off x="478844" y="5633244"/>
+            <a:ext cx="4601217" cy="866896"/>
           </a:xfrm>
           <a:prstGeom prst="rect">
             <a:avLst/>
@@ -9074,7 +8505,7 @@
     </p:spTree>
     <p:extLst>
       <p:ext uri="{BB962C8B-B14F-4D97-AF65-F5344CB8AC3E}">
-        <p14:creationId xmlns:p14="http://schemas.microsoft.com/office/powerpoint/2010/main" val="2185014208"/>
+        <p14:creationId xmlns:p14="http://schemas.microsoft.com/office/powerpoint/2010/main" val="2611248093"/>
       </p:ext>
     </p:extLst>
   </p:cSld>
@@ -9125,23 +8556,23 @@
         </p:spPr>
         <p:txBody>
           <a:bodyPr>
-            <a:normAutofit fontScale="90000"/>
+            <a:normAutofit/>
           </a:bodyPr>
           <a:lstStyle/>
           <a:p>
             <a:r>
               <a:rPr lang="en-US" dirty="0"/>
-              <a:t>We can now call the Function in a loop and compete our task</a:t>
+              <a:t>Our Final Result</a:t>
             </a:r>
           </a:p>
         </p:txBody>
       </p:sp>
       <p:pic>
         <p:nvPicPr>
-          <p:cNvPr id="7" name="Picture 6" descr="A screenshot of a computer&#10;&#10;Description automatically generated">
+          <p:cNvPr id="4" name="Picture 3" descr="A screenshot of a computer&#10;&#10;Description automatically generated">
             <a:extLst>
               <a:ext uri="{FF2B5EF4-FFF2-40B4-BE49-F238E27FC236}">
-                <a16:creationId xmlns:a16="http://schemas.microsoft.com/office/drawing/2014/main" id="{37E9D1AA-43A1-96BD-0969-3D02E232E7EA}"/>
+                <a16:creationId xmlns:a16="http://schemas.microsoft.com/office/drawing/2014/main" id="{082ADF62-D7B6-AB2E-40E2-1302082930D9}"/>
               </a:ext>
             </a:extLst>
           </p:cNvPr>
@@ -9158,18 +8589,181 @@
         </p:blipFill>
         <p:spPr>
           <a:xfrm>
-            <a:off x="478843" y="1105219"/>
-            <a:ext cx="11234313" cy="5428786"/>
+            <a:off x="334819" y="2019238"/>
+            <a:ext cx="3697182" cy="2840519"/>
           </a:xfrm>
           <a:prstGeom prst="rect">
             <a:avLst/>
           </a:prstGeom>
         </p:spPr>
       </p:pic>
+      <p:pic>
+        <p:nvPicPr>
+          <p:cNvPr id="9" name="Picture 8" descr="A screenshot of a computer&#10;&#10;Description automatically generated">
+            <a:extLst>
+              <a:ext uri="{FF2B5EF4-FFF2-40B4-BE49-F238E27FC236}">
+                <a16:creationId xmlns:a16="http://schemas.microsoft.com/office/drawing/2014/main" id="{A586FBBB-0C66-9B63-1120-0B6202A819D5}"/>
+              </a:ext>
+            </a:extLst>
+          </p:cNvPr>
+          <p:cNvPicPr>
+            <a:picLocks noChangeAspect="1"/>
+          </p:cNvPicPr>
+          <p:nvPr/>
+        </p:nvPicPr>
+        <p:blipFill>
+          <a:blip r:embed="rId3"/>
+          <a:stretch>
+            <a:fillRect/>
+          </a:stretch>
+        </p:blipFill>
+        <p:spPr>
+          <a:xfrm>
+            <a:off x="7475180" y="2066863"/>
+            <a:ext cx="4097506" cy="2676655"/>
+          </a:xfrm>
+          <a:prstGeom prst="rect">
+            <a:avLst/>
+          </a:prstGeom>
+        </p:spPr>
+      </p:pic>
+      <p:cxnSp>
+        <p:nvCxnSpPr>
+          <p:cNvPr id="10" name="Straight Arrow Connector 9">
+            <a:extLst>
+              <a:ext uri="{FF2B5EF4-FFF2-40B4-BE49-F238E27FC236}">
+                <a16:creationId xmlns:a16="http://schemas.microsoft.com/office/drawing/2014/main" id="{B678E45C-2F2E-B431-D772-F3E0491EAF28}"/>
+              </a:ext>
+            </a:extLst>
+          </p:cNvPr>
+          <p:cNvCxnSpPr>
+            <a:cxnSpLocks/>
+          </p:cNvCxnSpPr>
+          <p:nvPr/>
+        </p:nvCxnSpPr>
+        <p:spPr>
+          <a:xfrm>
+            <a:off x="4032001" y="3601556"/>
+            <a:ext cx="937345" cy="0"/>
+          </a:xfrm>
+          <a:prstGeom prst="straightConnector1">
+            <a:avLst/>
+          </a:prstGeom>
+          <a:ln w="34925">
+            <a:headEnd w="lg" len="lg"/>
+            <a:tailEnd type="triangle"/>
+          </a:ln>
+        </p:spPr>
+        <p:style>
+          <a:lnRef idx="1">
+            <a:schemeClr val="accent1"/>
+          </a:lnRef>
+          <a:fillRef idx="0">
+            <a:schemeClr val="accent1"/>
+          </a:fillRef>
+          <a:effectRef idx="0">
+            <a:schemeClr val="accent1"/>
+          </a:effectRef>
+          <a:fontRef idx="minor">
+            <a:schemeClr val="tx1"/>
+          </a:fontRef>
+        </p:style>
+      </p:cxnSp>
+      <p:sp>
+        <p:nvSpPr>
+          <p:cNvPr id="12" name="Rectangle 11">
+            <a:extLst>
+              <a:ext uri="{FF2B5EF4-FFF2-40B4-BE49-F238E27FC236}">
+                <a16:creationId xmlns:a16="http://schemas.microsoft.com/office/drawing/2014/main" id="{7997A2E7-B8C5-FA81-CEF2-A2A52CA185AB}"/>
+              </a:ext>
+            </a:extLst>
+          </p:cNvPr>
+          <p:cNvSpPr/>
+          <p:nvPr/>
+        </p:nvSpPr>
+        <p:spPr>
+          <a:xfrm>
+            <a:off x="4969346" y="2414768"/>
+            <a:ext cx="1639115" cy="2123714"/>
+          </a:xfrm>
+          <a:prstGeom prst="rect">
+            <a:avLst/>
+          </a:prstGeom>
+        </p:spPr>
+        <p:style>
+          <a:lnRef idx="2">
+            <a:schemeClr val="accent1">
+              <a:shade val="15000"/>
+            </a:schemeClr>
+          </a:lnRef>
+          <a:fillRef idx="1">
+            <a:schemeClr val="accent1"/>
+          </a:fillRef>
+          <a:effectRef idx="0">
+            <a:schemeClr val="accent1"/>
+          </a:effectRef>
+          <a:fontRef idx="minor">
+            <a:schemeClr val="lt1"/>
+          </a:fontRef>
+        </p:style>
+        <p:txBody>
+          <a:bodyPr rtlCol="0" anchor="ctr"/>
+          <a:lstStyle/>
+          <a:p>
+            <a:pPr algn="ctr"/>
+            <a:r>
+              <a:rPr lang="en-US" b="1" dirty="0"/>
+              <a:t>LLM Enabled Python Function</a:t>
+            </a:r>
+          </a:p>
+        </p:txBody>
+      </p:sp>
+      <p:cxnSp>
+        <p:nvCxnSpPr>
+          <p:cNvPr id="14" name="Straight Arrow Connector 13">
+            <a:extLst>
+              <a:ext uri="{FF2B5EF4-FFF2-40B4-BE49-F238E27FC236}">
+                <a16:creationId xmlns:a16="http://schemas.microsoft.com/office/drawing/2014/main" id="{36460A5C-349D-C1F4-C846-DA8CDEF2D896}"/>
+              </a:ext>
+            </a:extLst>
+          </p:cNvPr>
+          <p:cNvCxnSpPr>
+            <a:cxnSpLocks/>
+          </p:cNvCxnSpPr>
+          <p:nvPr/>
+        </p:nvCxnSpPr>
+        <p:spPr>
+          <a:xfrm>
+            <a:off x="6608461" y="3574087"/>
+            <a:ext cx="866719" cy="0"/>
+          </a:xfrm>
+          <a:prstGeom prst="straightConnector1">
+            <a:avLst/>
+          </a:prstGeom>
+          <a:ln w="34925">
+            <a:headEnd w="lg" len="lg"/>
+            <a:tailEnd type="triangle"/>
+          </a:ln>
+        </p:spPr>
+        <p:style>
+          <a:lnRef idx="1">
+            <a:schemeClr val="accent1"/>
+          </a:lnRef>
+          <a:fillRef idx="0">
+            <a:schemeClr val="accent1"/>
+          </a:fillRef>
+          <a:effectRef idx="0">
+            <a:schemeClr val="accent1"/>
+          </a:effectRef>
+          <a:fontRef idx="minor">
+            <a:schemeClr val="tx1"/>
+          </a:fontRef>
+        </p:style>
+      </p:cxnSp>
     </p:spTree>
     <p:extLst>
       <p:ext uri="{BB962C8B-B14F-4D97-AF65-F5344CB8AC3E}">
-        <p14:creationId xmlns:p14="http://schemas.microsoft.com/office/powerpoint/2010/main" val="2611248093"/>
+        <p14:creationId xmlns:p14="http://schemas.microsoft.com/office/powerpoint/2010/main" val="3871364130"/>
       </p:ext>
     </p:extLst>
   </p:cSld>
@@ -9259,19 +8853,18 @@
               <a:t>powerpoint</a:t>
             </a:r>
             <a:r>
-              <a:rPr lang="en-US"/>
-              <a:t> here</a:t>
-            </a:r>
-            <a:r>
               <a:rPr lang="en-US" dirty="0"/>
-              <a:t>:</a:t>
-            </a:r>
-          </a:p>
-          <a:p>
-            <a:r>
-              <a:rPr lang="en-US" dirty="0"/>
+              <a:t> here:</a:t>
+            </a:r>
+          </a:p>
+          <a:p>
+            <a:r>
+              <a:rPr lang="en-US" dirty="0">
+                <a:hlinkClick r:id="rId2"/>
+              </a:rPr>
               <a:t>https://github.com/jshipway/jupyter-notebooks</a:t>
             </a:r>
+            <a:endParaRPr lang="en-US" dirty="0"/>
           </a:p>
         </p:txBody>
       </p:sp>
@@ -9336,7 +8929,7 @@
             <a:pPr algn="ctr"/>
             <a:r>
               <a:rPr lang="en-US" dirty="0"/>
-              <a:t>Questions?</a:t>
+              <a:t>thank you</a:t>
             </a:r>
           </a:p>
         </p:txBody>
@@ -9344,7 +8937,7 @@
     </p:spTree>
     <p:extLst>
       <p:ext uri="{BB962C8B-B14F-4D97-AF65-F5344CB8AC3E}">
-        <p14:creationId xmlns:p14="http://schemas.microsoft.com/office/powerpoint/2010/main" val="3381109400"/>
+        <p14:creationId xmlns:p14="http://schemas.microsoft.com/office/powerpoint/2010/main" val="431539754"/>
       </p:ext>
     </p:extLst>
   </p:cSld>
@@ -9402,7 +8995,7 @@
             <a:pPr algn="ctr"/>
             <a:r>
               <a:rPr lang="en-US" dirty="0"/>
-              <a:t>thank you</a:t>
+              <a:t>Questions?</a:t>
             </a:r>
           </a:p>
         </p:txBody>
@@ -9410,7 +9003,7 @@
     </p:spTree>
     <p:extLst>
       <p:ext uri="{BB962C8B-B14F-4D97-AF65-F5344CB8AC3E}">
-        <p14:creationId xmlns:p14="http://schemas.microsoft.com/office/powerpoint/2010/main" val="431539754"/>
+        <p14:creationId xmlns:p14="http://schemas.microsoft.com/office/powerpoint/2010/main" val="3381109400"/>
       </p:ext>
     </p:extLst>
   </p:cSld>
@@ -9442,355 +9035,6 @@
           <p:cNvPr id="2" name="Title 1">
             <a:extLst>
               <a:ext uri="{FF2B5EF4-FFF2-40B4-BE49-F238E27FC236}">
-                <a16:creationId xmlns:a16="http://schemas.microsoft.com/office/drawing/2014/main" id="{7A45D66C-EA65-4329-2612-25DAB5B0D306}"/>
-              </a:ext>
-            </a:extLst>
-          </p:cNvPr>
-          <p:cNvSpPr>
-            <a:spLocks noGrp="1"/>
-          </p:cNvSpPr>
-          <p:nvPr>
-            <p:ph type="title"/>
-          </p:nvPr>
-        </p:nvSpPr>
-        <p:spPr/>
-        <p:txBody>
-          <a:bodyPr/>
-          <a:lstStyle/>
-          <a:p>
-            <a:r>
-              <a:rPr lang="en-US" dirty="0"/>
-              <a:t>Introduction – A bit about me</a:t>
-            </a:r>
-          </a:p>
-        </p:txBody>
-      </p:sp>
-      <p:pic>
-        <p:nvPicPr>
-          <p:cNvPr id="5" name="Content Placeholder 4" descr="A person wearing sunglasses and a blue shirt&#10;&#10;Description automatically generated">
-            <a:extLst>
-              <a:ext uri="{FF2B5EF4-FFF2-40B4-BE49-F238E27FC236}">
-                <a16:creationId xmlns:a16="http://schemas.microsoft.com/office/drawing/2014/main" id="{E382D16C-7781-FEAE-53D6-A11EA9C2C32F}"/>
-              </a:ext>
-            </a:extLst>
-          </p:cNvPr>
-          <p:cNvPicPr>
-            <a:picLocks noGrp="1" noChangeAspect="1"/>
-          </p:cNvPicPr>
-          <p:nvPr>
-            <p:ph idx="1"/>
-          </p:nvPr>
-        </p:nvPicPr>
-        <p:blipFill>
-          <a:blip r:embed="rId2"/>
-          <a:stretch>
-            <a:fillRect/>
-          </a:stretch>
-        </p:blipFill>
-        <p:spPr>
-          <a:xfrm>
-            <a:off x="9387854" y="2065867"/>
-            <a:ext cx="2390676" cy="3248574"/>
-          </a:xfrm>
-        </p:spPr>
-      </p:pic>
-      <p:sp>
-        <p:nvSpPr>
-          <p:cNvPr id="6" name="Content Placeholder 2">
-            <a:extLst>
-              <a:ext uri="{FF2B5EF4-FFF2-40B4-BE49-F238E27FC236}">
-                <a16:creationId xmlns:a16="http://schemas.microsoft.com/office/drawing/2014/main" id="{A67A94B8-CE7F-97FD-31CE-178A773A1E25}"/>
-              </a:ext>
-            </a:extLst>
-          </p:cNvPr>
-          <p:cNvSpPr txBox="1">
-            <a:spLocks/>
-          </p:cNvSpPr>
-          <p:nvPr/>
-        </p:nvSpPr>
-        <p:spPr>
-          <a:xfrm>
-            <a:off x="685801" y="1853431"/>
-            <a:ext cx="8208817" cy="3300846"/>
-          </a:xfrm>
-          <a:prstGeom prst="rect">
-            <a:avLst/>
-          </a:prstGeom>
-        </p:spPr>
-        <p:txBody>
-          <a:bodyPr vert="horz" lIns="91440" tIns="45720" rIns="91440" bIns="45720" rtlCol="0" anchor="ctr">
-            <a:normAutofit/>
-          </a:bodyPr>
-          <a:lstStyle>
-            <a:lvl1pPr marL="285750" indent="-285750" algn="l" defTabSz="457200" rtl="0" eaLnBrk="1" latinLnBrk="0" hangingPunct="1">
-              <a:spcBef>
-                <a:spcPts val="0"/>
-              </a:spcBef>
-              <a:spcAft>
-                <a:spcPts val="1000"/>
-              </a:spcAft>
-              <a:buClr>
-                <a:schemeClr val="tx1"/>
-              </a:buClr>
-              <a:buSzPct val="100000"/>
-              <a:buFont typeface="Arial"/>
-              <a:buChar char="•"/>
-              <a:defRPr sz="1800" kern="1200" cap="none">
-                <a:solidFill>
-                  <a:schemeClr val="tx1"/>
-                </a:solidFill>
-                <a:effectLst/>
-                <a:latin typeface="+mn-lt"/>
-                <a:ea typeface="+mn-ea"/>
-                <a:cs typeface="+mn-cs"/>
-              </a:defRPr>
-            </a:lvl1pPr>
-            <a:lvl2pPr marL="742950" indent="-285750" algn="l" defTabSz="457200" rtl="0" eaLnBrk="1" latinLnBrk="0" hangingPunct="1">
-              <a:spcBef>
-                <a:spcPts val="0"/>
-              </a:spcBef>
-              <a:spcAft>
-                <a:spcPts val="1000"/>
-              </a:spcAft>
-              <a:buClr>
-                <a:schemeClr val="tx1"/>
-              </a:buClr>
-              <a:buSzPct val="100000"/>
-              <a:buFont typeface="Arial"/>
-              <a:buChar char="•"/>
-              <a:defRPr sz="1600" kern="1200" cap="none">
-                <a:solidFill>
-                  <a:schemeClr val="tx1"/>
-                </a:solidFill>
-                <a:effectLst/>
-                <a:latin typeface="+mn-lt"/>
-                <a:ea typeface="+mn-ea"/>
-                <a:cs typeface="+mn-cs"/>
-              </a:defRPr>
-            </a:lvl2pPr>
-            <a:lvl3pPr marL="1200150" indent="-285750" algn="l" defTabSz="457200" rtl="0" eaLnBrk="1" latinLnBrk="0" hangingPunct="1">
-              <a:spcBef>
-                <a:spcPts val="0"/>
-              </a:spcBef>
-              <a:spcAft>
-                <a:spcPts val="1000"/>
-              </a:spcAft>
-              <a:buClr>
-                <a:schemeClr val="tx1"/>
-              </a:buClr>
-              <a:buSzPct val="100000"/>
-              <a:buFont typeface="Arial"/>
-              <a:buChar char="•"/>
-              <a:defRPr sz="1400" kern="1200" cap="none">
-                <a:solidFill>
-                  <a:schemeClr val="tx1"/>
-                </a:solidFill>
-                <a:effectLst/>
-                <a:latin typeface="+mn-lt"/>
-                <a:ea typeface="+mn-ea"/>
-                <a:cs typeface="+mn-cs"/>
-              </a:defRPr>
-            </a:lvl3pPr>
-            <a:lvl4pPr marL="1543050" indent="-171450" algn="l" defTabSz="457200" rtl="0" eaLnBrk="1" latinLnBrk="0" hangingPunct="1">
-              <a:spcBef>
-                <a:spcPts val="0"/>
-              </a:spcBef>
-              <a:spcAft>
-                <a:spcPts val="1000"/>
-              </a:spcAft>
-              <a:buClr>
-                <a:schemeClr val="tx1"/>
-              </a:buClr>
-              <a:buSzPct val="100000"/>
-              <a:buFont typeface="Arial"/>
-              <a:buChar char="•"/>
-              <a:defRPr sz="1200" kern="1200" cap="none">
-                <a:solidFill>
-                  <a:schemeClr val="tx1"/>
-                </a:solidFill>
-                <a:effectLst/>
-                <a:latin typeface="+mn-lt"/>
-                <a:ea typeface="+mn-ea"/>
-                <a:cs typeface="+mn-cs"/>
-              </a:defRPr>
-            </a:lvl4pPr>
-            <a:lvl5pPr marL="2000250" indent="-171450" algn="l" defTabSz="457200" rtl="0" eaLnBrk="1" latinLnBrk="0" hangingPunct="1">
-              <a:spcBef>
-                <a:spcPts val="0"/>
-              </a:spcBef>
-              <a:spcAft>
-                <a:spcPts val="1000"/>
-              </a:spcAft>
-              <a:buClr>
-                <a:schemeClr val="tx1"/>
-              </a:buClr>
-              <a:buSzPct val="100000"/>
-              <a:buFont typeface="Arial"/>
-              <a:buChar char="•"/>
-              <a:defRPr sz="1200" kern="1200" cap="none">
-                <a:solidFill>
-                  <a:schemeClr val="tx1"/>
-                </a:solidFill>
-                <a:effectLst/>
-                <a:latin typeface="+mn-lt"/>
-                <a:ea typeface="+mn-ea"/>
-                <a:cs typeface="+mn-cs"/>
-              </a:defRPr>
-            </a:lvl5pPr>
-            <a:lvl6pPr marL="2514600" indent="-228600" algn="l" defTabSz="457200" rtl="0" eaLnBrk="1" latinLnBrk="0" hangingPunct="1">
-              <a:spcBef>
-                <a:spcPts val="0"/>
-              </a:spcBef>
-              <a:spcAft>
-                <a:spcPts val="1000"/>
-              </a:spcAft>
-              <a:buClr>
-                <a:schemeClr val="tx1"/>
-              </a:buClr>
-              <a:buSzPct val="100000"/>
-              <a:buFont typeface="Arial"/>
-              <a:buChar char="•"/>
-              <a:defRPr sz="1200" kern="1200" cap="none">
-                <a:solidFill>
-                  <a:schemeClr val="tx1"/>
-                </a:solidFill>
-                <a:effectLst/>
-                <a:latin typeface="+mn-lt"/>
-                <a:ea typeface="+mn-ea"/>
-                <a:cs typeface="+mn-cs"/>
-              </a:defRPr>
-            </a:lvl6pPr>
-            <a:lvl7pPr marL="2971800" indent="-228600" algn="l" defTabSz="457200" rtl="0" eaLnBrk="1" latinLnBrk="0" hangingPunct="1">
-              <a:spcBef>
-                <a:spcPts val="0"/>
-              </a:spcBef>
-              <a:spcAft>
-                <a:spcPts val="1000"/>
-              </a:spcAft>
-              <a:buClr>
-                <a:schemeClr val="tx1"/>
-              </a:buClr>
-              <a:buSzPct val="100000"/>
-              <a:buFont typeface="Arial"/>
-              <a:buChar char="•"/>
-              <a:defRPr sz="1200" kern="1200" cap="none">
-                <a:solidFill>
-                  <a:schemeClr val="tx1"/>
-                </a:solidFill>
-                <a:effectLst/>
-                <a:latin typeface="+mn-lt"/>
-                <a:ea typeface="+mn-ea"/>
-                <a:cs typeface="+mn-cs"/>
-              </a:defRPr>
-            </a:lvl7pPr>
-            <a:lvl8pPr marL="3429000" indent="-228600" algn="l" defTabSz="457200" rtl="0" eaLnBrk="1" latinLnBrk="0" hangingPunct="1">
-              <a:spcBef>
-                <a:spcPts val="0"/>
-              </a:spcBef>
-              <a:spcAft>
-                <a:spcPts val="1000"/>
-              </a:spcAft>
-              <a:buClr>
-                <a:schemeClr val="tx1"/>
-              </a:buClr>
-              <a:buSzPct val="100000"/>
-              <a:buFont typeface="Arial"/>
-              <a:buChar char="•"/>
-              <a:defRPr sz="1200" kern="1200" cap="none">
-                <a:solidFill>
-                  <a:schemeClr val="tx1"/>
-                </a:solidFill>
-                <a:effectLst/>
-                <a:latin typeface="+mn-lt"/>
-                <a:ea typeface="+mn-ea"/>
-                <a:cs typeface="+mn-cs"/>
-              </a:defRPr>
-            </a:lvl8pPr>
-            <a:lvl9pPr marL="3886200" indent="-228600" algn="l" defTabSz="457200" rtl="0" eaLnBrk="1" latinLnBrk="0" hangingPunct="1">
-              <a:spcBef>
-                <a:spcPts val="0"/>
-              </a:spcBef>
-              <a:spcAft>
-                <a:spcPts val="1000"/>
-              </a:spcAft>
-              <a:buClr>
-                <a:schemeClr val="tx1"/>
-              </a:buClr>
-              <a:buSzPct val="100000"/>
-              <a:buFont typeface="Arial"/>
-              <a:buChar char="•"/>
-              <a:defRPr sz="1200" kern="1200" cap="none">
-                <a:solidFill>
-                  <a:schemeClr val="tx1"/>
-                </a:solidFill>
-                <a:effectLst/>
-                <a:latin typeface="+mn-lt"/>
-                <a:ea typeface="+mn-ea"/>
-                <a:cs typeface="+mn-cs"/>
-              </a:defRPr>
-            </a:lvl9pPr>
-          </a:lstStyle>
-          <a:p>
-            <a:r>
-              <a:rPr lang="en-US" dirty="0"/>
-              <a:t>I have developed software products and systems professionally since 1990, and during my career I have worked for Microsoft, Amazon, IBM, Accenture, and SAS</a:t>
-            </a:r>
-          </a:p>
-          <a:p>
-            <a:r>
-              <a:rPr lang="en-US" dirty="0"/>
-              <a:t>Currently work for the data analytics company SAS in the fraud detection solutions division. I have worked as a software engineer, software engineering manager, and a solutions architect while at SAS.</a:t>
-            </a:r>
-          </a:p>
-          <a:p>
-            <a:r>
-              <a:rPr lang="en-US" dirty="0"/>
-              <a:t>I am fascinated with analytics and machine learning, and I completed a masters degree in analytics from Georgia Tech in December 2023.</a:t>
-            </a:r>
-          </a:p>
-          <a:p>
-            <a:r>
-              <a:rPr lang="en-US" dirty="0"/>
-              <a:t>I have a passion for creating, building, and for mentoring and teaching others.</a:t>
-            </a:r>
-          </a:p>
-        </p:txBody>
-      </p:sp>
-    </p:spTree>
-    <p:extLst>
-      <p:ext uri="{BB962C8B-B14F-4D97-AF65-F5344CB8AC3E}">
-        <p14:creationId xmlns:p14="http://schemas.microsoft.com/office/powerpoint/2010/main" val="2990788018"/>
-      </p:ext>
-    </p:extLst>
-  </p:cSld>
-  <p:clrMapOvr>
-    <a:masterClrMapping/>
-  </p:clrMapOvr>
-</p:sld>
-</file>
-
-<file path=ppt/slides/slide3.xml><?xml version="1.0" encoding="utf-8"?>
-<p:sld xmlns:a="http://schemas.openxmlformats.org/drawingml/2006/main" xmlns:r="http://schemas.openxmlformats.org/officeDocument/2006/relationships" xmlns:p="http://schemas.openxmlformats.org/presentationml/2006/main">
-  <p:cSld>
-    <p:spTree>
-      <p:nvGrpSpPr>
-        <p:cNvPr id="1" name=""/>
-        <p:cNvGrpSpPr/>
-        <p:nvPr/>
-      </p:nvGrpSpPr>
-      <p:grpSpPr>
-        <a:xfrm>
-          <a:off x="0" y="0"/>
-          <a:ext cx="0" cy="0"/>
-          <a:chOff x="0" y="0"/>
-          <a:chExt cx="0" cy="0"/>
-        </a:xfrm>
-      </p:grpSpPr>
-      <p:sp>
-        <p:nvSpPr>
-          <p:cNvPr id="2" name="Title 1">
-            <a:extLst>
-              <a:ext uri="{FF2B5EF4-FFF2-40B4-BE49-F238E27FC236}">
                 <a16:creationId xmlns:a16="http://schemas.microsoft.com/office/drawing/2014/main" id="{3D3583B8-D529-8C36-1C69-60D64D7B9807}"/>
               </a:ext>
             </a:extLst>
@@ -9850,7 +9094,7 @@
             </a:pPr>
             <a:r>
               <a:rPr lang="en-US" dirty="0"/>
-              <a:t>A model is a representation of reality that we can use to study, test, better understand a system, and estimate answers from.</a:t>
+              <a:t>A model is a representation of reality that we can use to study, test, better understand a system, and predict outcomes.</a:t>
             </a:r>
           </a:p>
         </p:txBody>
@@ -10009,7 +9253,7 @@
 </p:sld>
 </file>
 
-<file path=ppt/slides/slide4.xml><?xml version="1.0" encoding="utf-8"?>
+<file path=ppt/slides/slide3.xml><?xml version="1.0" encoding="utf-8"?>
 <p:sld xmlns:a="http://schemas.openxmlformats.org/drawingml/2006/main" xmlns:r="http://schemas.openxmlformats.org/officeDocument/2006/relationships" xmlns:p="http://schemas.openxmlformats.org/presentationml/2006/main">
   <p:cSld>
     <p:spTree>
@@ -10090,7 +9334,7 @@
             </a:pPr>
             <a:r>
               <a:rPr lang="en-US" dirty="0"/>
-              <a:t>A statistical model is a computational engine that provides a predictions, estimations, or answers based on historical data. </a:t>
+              <a:t>A statistical model is a computational engine that predicts outcomes based on historical data. </a:t>
             </a:r>
           </a:p>
         </p:txBody>
@@ -10872,7 +10116,7 @@
 </p:sld>
 </file>
 
-<file path=ppt/slides/slide5.xml><?xml version="1.0" encoding="utf-8"?>
+<file path=ppt/slides/slide4.xml><?xml version="1.0" encoding="utf-8"?>
 <p:sld xmlns:a="http://schemas.openxmlformats.org/drawingml/2006/main" xmlns:r="http://schemas.openxmlformats.org/officeDocument/2006/relationships" xmlns:p="http://schemas.openxmlformats.org/presentationml/2006/main">
   <p:cSld>
     <p:spTree>
@@ -11371,7 +10615,7 @@
 </p:sld>
 </file>
 
-<file path=ppt/slides/slide6.xml><?xml version="1.0" encoding="utf-8"?>
+<file path=ppt/slides/slide5.xml><?xml version="1.0" encoding="utf-8"?>
 <p:sld xmlns:a="http://schemas.openxmlformats.org/drawingml/2006/main" xmlns:r="http://schemas.openxmlformats.org/officeDocument/2006/relationships" xmlns:p="http://schemas.openxmlformats.org/presentationml/2006/main">
   <p:cSld>
     <p:spTree>
@@ -12836,6 +12080,269 @@
 </p:sld>
 </file>
 
+<file path=ppt/slides/slide6.xml><?xml version="1.0" encoding="utf-8"?>
+<p:sld xmlns:a="http://schemas.openxmlformats.org/drawingml/2006/main" xmlns:r="http://schemas.openxmlformats.org/officeDocument/2006/relationships" xmlns:p="http://schemas.openxmlformats.org/presentationml/2006/main">
+  <p:cSld>
+    <p:spTree>
+      <p:nvGrpSpPr>
+        <p:cNvPr id="1" name=""/>
+        <p:cNvGrpSpPr/>
+        <p:nvPr/>
+      </p:nvGrpSpPr>
+      <p:grpSpPr>
+        <a:xfrm>
+          <a:off x="0" y="0"/>
+          <a:ext cx="0" cy="0"/>
+          <a:chOff x="0" y="0"/>
+          <a:chExt cx="0" cy="0"/>
+        </a:xfrm>
+      </p:grpSpPr>
+      <p:sp>
+        <p:nvSpPr>
+          <p:cNvPr id="2" name="Title 1">
+            <a:extLst>
+              <a:ext uri="{FF2B5EF4-FFF2-40B4-BE49-F238E27FC236}">
+                <a16:creationId xmlns:a16="http://schemas.microsoft.com/office/drawing/2014/main" id="{E23CBEB0-445D-F9D6-BC29-69A60ED27CFB}"/>
+              </a:ext>
+            </a:extLst>
+          </p:cNvPr>
+          <p:cNvSpPr>
+            <a:spLocks noGrp="1"/>
+          </p:cNvSpPr>
+          <p:nvPr>
+            <p:ph type="title"/>
+          </p:nvPr>
+        </p:nvSpPr>
+        <p:spPr>
+          <a:xfrm>
+            <a:off x="189777" y="221675"/>
+            <a:ext cx="10131425" cy="886691"/>
+          </a:xfrm>
+        </p:spPr>
+        <p:txBody>
+          <a:bodyPr>
+            <a:normAutofit fontScale="90000"/>
+          </a:bodyPr>
+          <a:lstStyle/>
+          <a:p>
+            <a:r>
+              <a:rPr lang="en-US" dirty="0"/>
+              <a:t>How people typically use large Language models:</a:t>
+            </a:r>
+          </a:p>
+        </p:txBody>
+      </p:sp>
+      <p:sp>
+        <p:nvSpPr>
+          <p:cNvPr id="3" name="Rectangle 2">
+            <a:extLst>
+              <a:ext uri="{FF2B5EF4-FFF2-40B4-BE49-F238E27FC236}">
+                <a16:creationId xmlns:a16="http://schemas.microsoft.com/office/drawing/2014/main" id="{AD979B6F-64A5-3262-416B-D0043C744601}"/>
+              </a:ext>
+            </a:extLst>
+          </p:cNvPr>
+          <p:cNvSpPr/>
+          <p:nvPr/>
+        </p:nvSpPr>
+        <p:spPr>
+          <a:xfrm>
+            <a:off x="7683729" y="2875832"/>
+            <a:ext cx="2637473" cy="2495401"/>
+          </a:xfrm>
+          <a:prstGeom prst="rect">
+            <a:avLst/>
+          </a:prstGeom>
+        </p:spPr>
+        <p:style>
+          <a:lnRef idx="2">
+            <a:schemeClr val="accent1">
+              <a:shade val="15000"/>
+            </a:schemeClr>
+          </a:lnRef>
+          <a:fillRef idx="1">
+            <a:schemeClr val="accent1"/>
+          </a:fillRef>
+          <a:effectRef idx="0">
+            <a:schemeClr val="accent1"/>
+          </a:effectRef>
+          <a:fontRef idx="minor">
+            <a:schemeClr val="lt1"/>
+          </a:fontRef>
+        </p:style>
+        <p:txBody>
+          <a:bodyPr rtlCol="0" anchor="ctr"/>
+          <a:lstStyle/>
+          <a:p>
+            <a:pPr algn="ctr"/>
+            <a:r>
+              <a:rPr lang="en-US" b="1" dirty="0"/>
+              <a:t>LARGE LANGUAGE MODEL</a:t>
+            </a:r>
+          </a:p>
+        </p:txBody>
+      </p:sp>
+      <p:cxnSp>
+        <p:nvCxnSpPr>
+          <p:cNvPr id="5" name="Straight Arrow Connector 4">
+            <a:extLst>
+              <a:ext uri="{FF2B5EF4-FFF2-40B4-BE49-F238E27FC236}">
+                <a16:creationId xmlns:a16="http://schemas.microsoft.com/office/drawing/2014/main" id="{C57DA0F1-F208-452D-9E2E-5E33A48CAFE0}"/>
+              </a:ext>
+            </a:extLst>
+          </p:cNvPr>
+          <p:cNvCxnSpPr>
+            <a:cxnSpLocks/>
+          </p:cNvCxnSpPr>
+          <p:nvPr/>
+        </p:nvCxnSpPr>
+        <p:spPr>
+          <a:xfrm>
+            <a:off x="6123967" y="3971953"/>
+            <a:ext cx="1559762" cy="0"/>
+          </a:xfrm>
+          <a:prstGeom prst="straightConnector1">
+            <a:avLst/>
+          </a:prstGeom>
+          <a:ln w="34925">
+            <a:headEnd w="lg" len="lg"/>
+            <a:tailEnd type="triangle"/>
+          </a:ln>
+        </p:spPr>
+        <p:style>
+          <a:lnRef idx="1">
+            <a:schemeClr val="accent1"/>
+          </a:lnRef>
+          <a:fillRef idx="0">
+            <a:schemeClr val="accent1"/>
+          </a:fillRef>
+          <a:effectRef idx="0">
+            <a:schemeClr val="accent1"/>
+          </a:effectRef>
+          <a:fontRef idx="minor">
+            <a:schemeClr val="tx1"/>
+          </a:fontRef>
+        </p:style>
+      </p:cxnSp>
+      <p:pic>
+        <p:nvPicPr>
+          <p:cNvPr id="6" name="Picture 5" descr="A screenshot of a computer&#10;&#10;Description automatically generated">
+            <a:extLst>
+              <a:ext uri="{FF2B5EF4-FFF2-40B4-BE49-F238E27FC236}">
+                <a16:creationId xmlns:a16="http://schemas.microsoft.com/office/drawing/2014/main" id="{58C0BAA6-4229-E1B3-08FD-6E0E4A290A64}"/>
+              </a:ext>
+            </a:extLst>
+          </p:cNvPr>
+          <p:cNvPicPr>
+            <a:picLocks noChangeAspect="1"/>
+          </p:cNvPicPr>
+          <p:nvPr/>
+        </p:nvPicPr>
+        <p:blipFill>
+          <a:blip r:embed="rId2"/>
+          <a:stretch>
+            <a:fillRect/>
+          </a:stretch>
+        </p:blipFill>
+        <p:spPr>
+          <a:xfrm>
+            <a:off x="1159121" y="2145735"/>
+            <a:ext cx="4916524" cy="3955593"/>
+          </a:xfrm>
+          <a:prstGeom prst="rect">
+            <a:avLst/>
+          </a:prstGeom>
+        </p:spPr>
+      </p:pic>
+      <p:sp>
+        <p:nvSpPr>
+          <p:cNvPr id="9" name="TextBox 8">
+            <a:extLst>
+              <a:ext uri="{FF2B5EF4-FFF2-40B4-BE49-F238E27FC236}">
+                <a16:creationId xmlns:a16="http://schemas.microsoft.com/office/drawing/2014/main" id="{B26B5CF1-B4CE-CB12-AAE8-6F82FA9B25FD}"/>
+              </a:ext>
+            </a:extLst>
+          </p:cNvPr>
+          <p:cNvSpPr txBox="1"/>
+          <p:nvPr/>
+        </p:nvSpPr>
+        <p:spPr>
+          <a:xfrm>
+            <a:off x="2652696" y="1591739"/>
+            <a:ext cx="1929374" cy="369332"/>
+          </a:xfrm>
+          <a:prstGeom prst="rect">
+            <a:avLst/>
+          </a:prstGeom>
+          <a:noFill/>
+        </p:spPr>
+        <p:txBody>
+          <a:bodyPr wrap="none" rtlCol="0">
+            <a:spAutoFit/>
+          </a:bodyPr>
+          <a:lstStyle/>
+          <a:p>
+            <a:r>
+              <a:rPr lang="en-US" dirty="0"/>
+              <a:t>CHATGPT Website</a:t>
+            </a:r>
+          </a:p>
+        </p:txBody>
+      </p:sp>
+      <p:cxnSp>
+        <p:nvCxnSpPr>
+          <p:cNvPr id="10" name="Straight Arrow Connector 9">
+            <a:extLst>
+              <a:ext uri="{FF2B5EF4-FFF2-40B4-BE49-F238E27FC236}">
+                <a16:creationId xmlns:a16="http://schemas.microsoft.com/office/drawing/2014/main" id="{8282DBBE-4E6A-2A1F-C186-644AA0451254}"/>
+              </a:ext>
+            </a:extLst>
+          </p:cNvPr>
+          <p:cNvCxnSpPr>
+            <a:cxnSpLocks/>
+          </p:cNvCxnSpPr>
+          <p:nvPr/>
+        </p:nvCxnSpPr>
+        <p:spPr>
+          <a:xfrm flipH="1">
+            <a:off x="6075645" y="4484530"/>
+            <a:ext cx="1608084" cy="0"/>
+          </a:xfrm>
+          <a:prstGeom prst="straightConnector1">
+            <a:avLst/>
+          </a:prstGeom>
+          <a:ln w="34925">
+            <a:headEnd w="lg" len="lg"/>
+            <a:tailEnd type="triangle"/>
+          </a:ln>
+        </p:spPr>
+        <p:style>
+          <a:lnRef idx="1">
+            <a:schemeClr val="accent1"/>
+          </a:lnRef>
+          <a:fillRef idx="0">
+            <a:schemeClr val="accent1"/>
+          </a:fillRef>
+          <a:effectRef idx="0">
+            <a:schemeClr val="accent1"/>
+          </a:effectRef>
+          <a:fontRef idx="minor">
+            <a:schemeClr val="tx1"/>
+          </a:fontRef>
+        </p:style>
+      </p:cxnSp>
+    </p:spTree>
+    <p:extLst>
+      <p:ext uri="{BB962C8B-B14F-4D97-AF65-F5344CB8AC3E}">
+        <p14:creationId xmlns:p14="http://schemas.microsoft.com/office/powerpoint/2010/main" val="2846754950"/>
+      </p:ext>
+    </p:extLst>
+  </p:cSld>
+  <p:clrMapOvr>
+    <a:masterClrMapping/>
+  </p:clrMapOvr>
+</p:sld>
+</file>
+
 <file path=ppt/slides/slide7.xml><?xml version="1.0" encoding="utf-8"?>
 <p:sld xmlns:a="http://schemas.openxmlformats.org/drawingml/2006/main" xmlns:r="http://schemas.openxmlformats.org/officeDocument/2006/relationships" xmlns:p="http://schemas.openxmlformats.org/presentationml/2006/main">
   <p:cSld>
@@ -12871,29 +12378,43 @@
         </p:nvSpPr>
         <p:spPr>
           <a:xfrm>
-            <a:off x="189777" y="221675"/>
-            <a:ext cx="10131425" cy="886691"/>
-          </a:xfrm>
-        </p:spPr>
-        <p:txBody>
-          <a:bodyPr>
-            <a:normAutofit fontScale="90000"/>
-          </a:bodyPr>
+            <a:off x="429808" y="79842"/>
+            <a:ext cx="11418891" cy="1456267"/>
+          </a:xfrm>
+        </p:spPr>
+        <p:txBody>
+          <a:bodyPr/>
           <a:lstStyle/>
           <a:p>
             <a:r>
               <a:rPr lang="en-US" dirty="0"/>
-              <a:t>How people typically use large Language models:</a:t>
+              <a:t>We can get the same LLM functionality for </a:t>
+            </a:r>
+            <a:r>
+              <a:rPr lang="en-US" b="1" i="1" dirty="0"/>
+              <a:t>our</a:t>
+            </a:r>
+            <a:r>
+              <a:rPr lang="en-US" dirty="0"/>
+              <a:t> software using </a:t>
+            </a:r>
+            <a:r>
+              <a:rPr lang="en-US" dirty="0" err="1"/>
+              <a:t>llm</a:t>
+            </a:r>
+            <a:r>
+              <a:rPr lang="en-US" dirty="0"/>
+              <a:t> APIs.   An example in python:</a:t>
             </a:r>
           </a:p>
         </p:txBody>
       </p:sp>
       <p:pic>
         <p:nvPicPr>
-          <p:cNvPr id="7" name="Picture 6" descr="A screenshot of a computer&#10;&#10;Description automatically generated">
+          <p:cNvPr id="5" name="Picture 4" descr="A screenshot of a computer code&#10;&#10;Description automatically generated">
             <a:extLst>
               <a:ext uri="{FF2B5EF4-FFF2-40B4-BE49-F238E27FC236}">
-                <a16:creationId xmlns:a16="http://schemas.microsoft.com/office/drawing/2014/main" id="{1C8A8D42-77D3-960A-2946-52C3837A6BBB}"/>
+                <a16:creationId xmlns:a16="http://schemas.microsoft.com/office/drawing/2014/main" id="{5175D116-E36A-71AF-A321-445DD4E72F5A}"/>
               </a:ext>
             </a:extLst>
           </p:cNvPr>
@@ -12910,18 +12431,235 @@
         </p:blipFill>
         <p:spPr>
           <a:xfrm>
-            <a:off x="2425971" y="1551709"/>
-            <a:ext cx="6136137" cy="4936834"/>
+            <a:off x="1412445" y="2037938"/>
+            <a:ext cx="4933540" cy="3328654"/>
           </a:xfrm>
           <a:prstGeom prst="rect">
             <a:avLst/>
           </a:prstGeom>
         </p:spPr>
       </p:pic>
+      <p:sp>
+        <p:nvSpPr>
+          <p:cNvPr id="6" name="Content Placeholder 2">
+            <a:extLst>
+              <a:ext uri="{FF2B5EF4-FFF2-40B4-BE49-F238E27FC236}">
+                <a16:creationId xmlns:a16="http://schemas.microsoft.com/office/drawing/2014/main" id="{889EB6CE-AEA8-CB09-0525-C6991754B143}"/>
+              </a:ext>
+            </a:extLst>
+          </p:cNvPr>
+          <p:cNvSpPr>
+            <a:spLocks noGrp="1"/>
+          </p:cNvSpPr>
+          <p:nvPr>
+            <p:ph idx="1"/>
+          </p:nvPr>
+        </p:nvSpPr>
+        <p:spPr>
+          <a:xfrm>
+            <a:off x="852470" y="5722381"/>
+            <a:ext cx="11061606" cy="1456267"/>
+          </a:xfrm>
+        </p:spPr>
+        <p:txBody>
+          <a:bodyPr>
+            <a:normAutofit/>
+          </a:bodyPr>
+          <a:lstStyle/>
+          <a:p>
+            <a:pPr marL="0" indent="0">
+              <a:buNone/>
+            </a:pPr>
+            <a:r>
+              <a:rPr lang="en-US" dirty="0"/>
+              <a:t>Uses: Chat Bots, Conversations, </a:t>
+            </a:r>
+            <a:r>
+              <a:rPr lang="en-US"/>
+              <a:t>Help Desks, </a:t>
+            </a:r>
+            <a:r>
+              <a:rPr lang="en-US" dirty="0"/>
+              <a:t>Summarization, Entity extraction, Batch Classification, Augmenting existing data.   Basically anything you can imagine…</a:t>
+            </a:r>
+          </a:p>
+          <a:p>
+            <a:endParaRPr lang="en-US" dirty="0"/>
+          </a:p>
+        </p:txBody>
+      </p:sp>
+      <p:sp>
+        <p:nvSpPr>
+          <p:cNvPr id="3" name="Rectangle 2">
+            <a:extLst>
+              <a:ext uri="{FF2B5EF4-FFF2-40B4-BE49-F238E27FC236}">
+                <a16:creationId xmlns:a16="http://schemas.microsoft.com/office/drawing/2014/main" id="{D29932FC-4D1B-0BFB-6A24-2E1910478B23}"/>
+              </a:ext>
+            </a:extLst>
+          </p:cNvPr>
+          <p:cNvSpPr/>
+          <p:nvPr/>
+        </p:nvSpPr>
+        <p:spPr>
+          <a:xfrm>
+            <a:off x="7943035" y="2276835"/>
+            <a:ext cx="2637473" cy="2495401"/>
+          </a:xfrm>
+          <a:prstGeom prst="rect">
+            <a:avLst/>
+          </a:prstGeom>
+        </p:spPr>
+        <p:style>
+          <a:lnRef idx="2">
+            <a:schemeClr val="accent1">
+              <a:shade val="15000"/>
+            </a:schemeClr>
+          </a:lnRef>
+          <a:fillRef idx="1">
+            <a:schemeClr val="accent1"/>
+          </a:fillRef>
+          <a:effectRef idx="0">
+            <a:schemeClr val="accent1"/>
+          </a:effectRef>
+          <a:fontRef idx="minor">
+            <a:schemeClr val="lt1"/>
+          </a:fontRef>
+        </p:style>
+        <p:txBody>
+          <a:bodyPr rtlCol="0" anchor="ctr"/>
+          <a:lstStyle/>
+          <a:p>
+            <a:pPr algn="ctr"/>
+            <a:r>
+              <a:rPr lang="en-US" b="1" dirty="0"/>
+              <a:t>LARGE LANGUAGE MODEL</a:t>
+            </a:r>
+          </a:p>
+        </p:txBody>
+      </p:sp>
+      <p:cxnSp>
+        <p:nvCxnSpPr>
+          <p:cNvPr id="4" name="Straight Arrow Connector 3">
+            <a:extLst>
+              <a:ext uri="{FF2B5EF4-FFF2-40B4-BE49-F238E27FC236}">
+                <a16:creationId xmlns:a16="http://schemas.microsoft.com/office/drawing/2014/main" id="{7B04B1C1-505F-8DC2-2470-C37AD470C68E}"/>
+              </a:ext>
+            </a:extLst>
+          </p:cNvPr>
+          <p:cNvCxnSpPr>
+            <a:cxnSpLocks/>
+          </p:cNvCxnSpPr>
+          <p:nvPr/>
+        </p:nvCxnSpPr>
+        <p:spPr>
+          <a:xfrm>
+            <a:off x="6383273" y="3372956"/>
+            <a:ext cx="1559762" cy="0"/>
+          </a:xfrm>
+          <a:prstGeom prst="straightConnector1">
+            <a:avLst/>
+          </a:prstGeom>
+          <a:ln w="34925">
+            <a:headEnd w="lg" len="lg"/>
+            <a:tailEnd type="triangle"/>
+          </a:ln>
+        </p:spPr>
+        <p:style>
+          <a:lnRef idx="1">
+            <a:schemeClr val="accent1"/>
+          </a:lnRef>
+          <a:fillRef idx="0">
+            <a:schemeClr val="accent1"/>
+          </a:fillRef>
+          <a:effectRef idx="0">
+            <a:schemeClr val="accent1"/>
+          </a:effectRef>
+          <a:fontRef idx="minor">
+            <a:schemeClr val="tx1"/>
+          </a:fontRef>
+        </p:style>
+      </p:cxnSp>
+      <p:cxnSp>
+        <p:nvCxnSpPr>
+          <p:cNvPr id="7" name="Straight Arrow Connector 6">
+            <a:extLst>
+              <a:ext uri="{FF2B5EF4-FFF2-40B4-BE49-F238E27FC236}">
+                <a16:creationId xmlns:a16="http://schemas.microsoft.com/office/drawing/2014/main" id="{5B2A34B5-A6DF-B3C4-CB70-D5EE5D7720F2}"/>
+              </a:ext>
+            </a:extLst>
+          </p:cNvPr>
+          <p:cNvCxnSpPr>
+            <a:cxnSpLocks/>
+          </p:cNvCxnSpPr>
+          <p:nvPr/>
+        </p:nvCxnSpPr>
+        <p:spPr>
+          <a:xfrm flipH="1">
+            <a:off x="6334951" y="3885533"/>
+            <a:ext cx="1608084" cy="0"/>
+          </a:xfrm>
+          <a:prstGeom prst="straightConnector1">
+            <a:avLst/>
+          </a:prstGeom>
+          <a:ln w="34925">
+            <a:headEnd w="lg" len="lg"/>
+            <a:tailEnd type="triangle"/>
+          </a:ln>
+        </p:spPr>
+        <p:style>
+          <a:lnRef idx="1">
+            <a:schemeClr val="accent1"/>
+          </a:lnRef>
+          <a:fillRef idx="0">
+            <a:schemeClr val="accent1"/>
+          </a:fillRef>
+          <a:effectRef idx="0">
+            <a:schemeClr val="accent1"/>
+          </a:effectRef>
+          <a:fontRef idx="minor">
+            <a:schemeClr val="tx1"/>
+          </a:fontRef>
+        </p:style>
+      </p:cxnSp>
+      <p:sp>
+        <p:nvSpPr>
+          <p:cNvPr id="8" name="TextBox 7">
+            <a:extLst>
+              <a:ext uri="{FF2B5EF4-FFF2-40B4-BE49-F238E27FC236}">
+                <a16:creationId xmlns:a16="http://schemas.microsoft.com/office/drawing/2014/main" id="{460C2C03-44A1-AB0B-46F1-462F6F99E955}"/>
+              </a:ext>
+            </a:extLst>
+          </p:cNvPr>
+          <p:cNvSpPr txBox="1"/>
+          <p:nvPr/>
+        </p:nvSpPr>
+        <p:spPr>
+          <a:xfrm>
+            <a:off x="2914528" y="1644037"/>
+            <a:ext cx="1704762" cy="369332"/>
+          </a:xfrm>
+          <a:prstGeom prst="rect">
+            <a:avLst/>
+          </a:prstGeom>
+          <a:noFill/>
+        </p:spPr>
+        <p:txBody>
+          <a:bodyPr wrap="none" rtlCol="0">
+            <a:spAutoFit/>
+          </a:bodyPr>
+          <a:lstStyle/>
+          <a:p>
+            <a:r>
+              <a:rPr lang="en-US" dirty="0"/>
+              <a:t>Python program</a:t>
+            </a:r>
+          </a:p>
+        </p:txBody>
+      </p:sp>
     </p:spTree>
     <p:extLst>
       <p:ext uri="{BB962C8B-B14F-4D97-AF65-F5344CB8AC3E}">
-        <p14:creationId xmlns:p14="http://schemas.microsoft.com/office/powerpoint/2010/main" val="2846754950"/>
+        <p14:creationId xmlns:p14="http://schemas.microsoft.com/office/powerpoint/2010/main" val="1830964074"/>
       </p:ext>
     </p:extLst>
   </p:cSld>
@@ -12953,7 +12691,7 @@
           <p:cNvPr id="2" name="Title 1">
             <a:extLst>
               <a:ext uri="{FF2B5EF4-FFF2-40B4-BE49-F238E27FC236}">
-                <a16:creationId xmlns:a16="http://schemas.microsoft.com/office/drawing/2014/main" id="{E23CBEB0-445D-F9D6-BC29-69A60ED27CFB}"/>
+                <a16:creationId xmlns:a16="http://schemas.microsoft.com/office/drawing/2014/main" id="{0F18D3DE-C13B-A44A-311C-BAB991EC9584}"/>
               </a:ext>
             </a:extLst>
           </p:cNvPr>
@@ -12966,8 +12704,8 @@
         </p:nvSpPr>
         <p:spPr>
           <a:xfrm>
-            <a:off x="429808" y="79842"/>
-            <a:ext cx="11418891" cy="1456267"/>
+            <a:off x="345708" y="1"/>
+            <a:ext cx="10131425" cy="922020"/>
           </a:xfrm>
         </p:spPr>
         <p:txBody>
@@ -12976,33 +12714,17 @@
           <a:p>
             <a:r>
               <a:rPr lang="en-US" dirty="0"/>
-              <a:t>We can get the same LLM functionality for </a:t>
-            </a:r>
-            <a:r>
-              <a:rPr lang="en-US" b="1" i="1" dirty="0"/>
-              <a:t>our</a:t>
-            </a:r>
-            <a:r>
-              <a:rPr lang="en-US" dirty="0"/>
-              <a:t> software using </a:t>
-            </a:r>
-            <a:r>
-              <a:rPr lang="en-US" dirty="0" err="1"/>
-              <a:t>llm</a:t>
-            </a:r>
-            <a:r>
-              <a:rPr lang="en-US" dirty="0"/>
-              <a:t> APIs.   An example in python:</a:t>
+              <a:t>What You’ll Need FIRST: Access to an LLM API</a:t>
             </a:r>
           </a:p>
         </p:txBody>
       </p:sp>
       <p:pic>
         <p:nvPicPr>
-          <p:cNvPr id="5" name="Picture 4" descr="A screenshot of a computer code&#10;&#10;Description automatically generated">
+          <p:cNvPr id="9" name="Picture 8" descr="A screenshot of a computer&#10;&#10;Description automatically generated">
             <a:extLst>
               <a:ext uri="{FF2B5EF4-FFF2-40B4-BE49-F238E27FC236}">
-                <a16:creationId xmlns:a16="http://schemas.microsoft.com/office/drawing/2014/main" id="{5175D116-E36A-71AF-A321-445DD4E72F5A}"/>
+                <a16:creationId xmlns:a16="http://schemas.microsoft.com/office/drawing/2014/main" id="{2DF450F0-6684-EA6D-FD40-8F24BC143555}"/>
               </a:ext>
             </a:extLst>
           </p:cNvPr>
@@ -13019,8 +12741,8 @@
         </p:blipFill>
         <p:spPr>
           <a:xfrm>
-            <a:off x="794424" y="1723636"/>
-            <a:ext cx="7203033" cy="4859878"/>
+            <a:off x="262581" y="1476019"/>
+            <a:ext cx="5833419" cy="2777704"/>
           </a:xfrm>
           <a:prstGeom prst="rect">
             <a:avLst/>
@@ -13029,85 +12751,108 @@
       </p:pic>
       <p:sp>
         <p:nvSpPr>
-          <p:cNvPr id="6" name="Content Placeholder 2">
+          <p:cNvPr id="10" name="TextBox 9">
             <a:extLst>
               <a:ext uri="{FF2B5EF4-FFF2-40B4-BE49-F238E27FC236}">
-                <a16:creationId xmlns:a16="http://schemas.microsoft.com/office/drawing/2014/main" id="{889EB6CE-AEA8-CB09-0525-C6991754B143}"/>
+                <a16:creationId xmlns:a16="http://schemas.microsoft.com/office/drawing/2014/main" id="{C87CD0E9-F235-19C7-97C1-B607004F67FE}"/>
               </a:ext>
             </a:extLst>
           </p:cNvPr>
-          <p:cNvSpPr>
-            <a:spLocks noGrp="1"/>
-          </p:cNvSpPr>
-          <p:nvPr>
-            <p:ph idx="1"/>
-          </p:nvPr>
-        </p:nvSpPr>
-        <p:spPr>
-          <a:xfrm>
-            <a:off x="8588262" y="2761671"/>
-            <a:ext cx="3352801" cy="2290619"/>
-          </a:xfrm>
-        </p:spPr>
-        <p:txBody>
-          <a:bodyPr>
-            <a:normAutofit fontScale="85000" lnSpcReduction="20000"/>
+          <p:cNvSpPr txBox="1"/>
+          <p:nvPr/>
+        </p:nvSpPr>
+        <p:spPr>
+          <a:xfrm>
+            <a:off x="262581" y="1106687"/>
+            <a:ext cx="5061332" cy="369332"/>
+          </a:xfrm>
+          <a:prstGeom prst="rect">
+            <a:avLst/>
+          </a:prstGeom>
+          <a:noFill/>
+        </p:spPr>
+        <p:txBody>
+          <a:bodyPr wrap="square" rtlCol="0">
+            <a:spAutoFit/>
           </a:bodyPr>
           <a:lstStyle/>
           <a:p>
-            <a:pPr marL="0" indent="0">
-              <a:buNone/>
-            </a:pPr>
-            <a:r>
-              <a:rPr lang="en-US" b="1" u="sng" dirty="0"/>
-              <a:t>USE CASES</a:t>
-            </a:r>
-          </a:p>
-          <a:p>
             <a:r>
               <a:rPr lang="en-US" dirty="0"/>
-              <a:t>Chat Bots, Conversations, Help Desks</a:t>
-            </a:r>
-          </a:p>
+              <a:t>Azure AI Machine Learning Studio Model Catalog</a:t>
+            </a:r>
+          </a:p>
+        </p:txBody>
+      </p:sp>
+      <p:pic>
+        <p:nvPicPr>
+          <p:cNvPr id="14" name="Picture 13" descr="A screenshot of a computer&#10;&#10;Description automatically generated">
+            <a:extLst>
+              <a:ext uri="{FF2B5EF4-FFF2-40B4-BE49-F238E27FC236}">
+                <a16:creationId xmlns:a16="http://schemas.microsoft.com/office/drawing/2014/main" id="{51E46C88-23B1-F057-20F5-827B61B3BA14}"/>
+              </a:ext>
+            </a:extLst>
+          </p:cNvPr>
+          <p:cNvPicPr>
+            <a:picLocks noChangeAspect="1"/>
+          </p:cNvPicPr>
+          <p:nvPr/>
+        </p:nvPicPr>
+        <p:blipFill>
+          <a:blip r:embed="rId3"/>
+          <a:stretch>
+            <a:fillRect/>
+          </a:stretch>
+        </p:blipFill>
+        <p:spPr>
+          <a:xfrm>
+            <a:off x="6477695" y="3570661"/>
+            <a:ext cx="5451724" cy="2867071"/>
+          </a:xfrm>
+          <a:prstGeom prst="rect">
+            <a:avLst/>
+          </a:prstGeom>
+        </p:spPr>
+      </p:pic>
+      <p:sp>
+        <p:nvSpPr>
+          <p:cNvPr id="15" name="TextBox 14">
+            <a:extLst>
+              <a:ext uri="{FF2B5EF4-FFF2-40B4-BE49-F238E27FC236}">
+                <a16:creationId xmlns:a16="http://schemas.microsoft.com/office/drawing/2014/main" id="{B52B03A9-7093-C339-7DC7-5B022B6BD77E}"/>
+              </a:ext>
+            </a:extLst>
+          </p:cNvPr>
+          <p:cNvSpPr txBox="1"/>
+          <p:nvPr/>
+        </p:nvSpPr>
+        <p:spPr>
+          <a:xfrm>
+            <a:off x="6375997" y="3244334"/>
+            <a:ext cx="5061332" cy="369332"/>
+          </a:xfrm>
+          <a:prstGeom prst="rect">
+            <a:avLst/>
+          </a:prstGeom>
+          <a:noFill/>
+        </p:spPr>
+        <p:txBody>
+          <a:bodyPr wrap="square" rtlCol="0">
+            <a:spAutoFit/>
+          </a:bodyPr>
+          <a:lstStyle/>
           <a:p>
             <a:r>
               <a:rPr lang="en-US" dirty="0"/>
-              <a:t>Summarization</a:t>
-            </a:r>
-          </a:p>
-          <a:p>
-            <a:r>
-              <a:rPr lang="en-US" dirty="0"/>
-              <a:t>Entity extraction</a:t>
-            </a:r>
-          </a:p>
-          <a:p>
-            <a:r>
-              <a:rPr lang="en-US" dirty="0"/>
-              <a:t>Batch Classification </a:t>
-            </a:r>
-          </a:p>
-          <a:p>
-            <a:r>
-              <a:rPr lang="en-US" dirty="0"/>
-              <a:t>Augmenting existing data</a:t>
-            </a:r>
-          </a:p>
-          <a:p>
-            <a:r>
-              <a:rPr lang="en-US" dirty="0"/>
-              <a:t>Basically anything you can imagine…</a:t>
-            </a:r>
-          </a:p>
-          <a:p>
-            <a:endParaRPr lang="en-US" dirty="0"/>
+              <a:t>OpenAI Developer Platform</a:t>
+            </a:r>
           </a:p>
         </p:txBody>
       </p:sp>
     </p:spTree>
     <p:extLst>
       <p:ext uri="{BB962C8B-B14F-4D97-AF65-F5344CB8AC3E}">
-        <p14:creationId xmlns:p14="http://schemas.microsoft.com/office/powerpoint/2010/main" val="1830964074"/>
+        <p14:creationId xmlns:p14="http://schemas.microsoft.com/office/powerpoint/2010/main" val="72404166"/>
       </p:ext>
     </p:extLst>
   </p:cSld>
@@ -13139,7 +12884,7 @@
           <p:cNvPr id="2" name="Title 1">
             <a:extLst>
               <a:ext uri="{FF2B5EF4-FFF2-40B4-BE49-F238E27FC236}">
-                <a16:creationId xmlns:a16="http://schemas.microsoft.com/office/drawing/2014/main" id="{0F18D3DE-C13B-A44A-311C-BAB991EC9584}"/>
+                <a16:creationId xmlns:a16="http://schemas.microsoft.com/office/drawing/2014/main" id="{663D7A34-7DF9-3D14-E14C-2E451B79E8F3}"/>
               </a:ext>
             </a:extLst>
           </p:cNvPr>
@@ -13152,27 +12897,36 @@
         </p:nvSpPr>
         <p:spPr>
           <a:xfrm>
-            <a:off x="345708" y="1"/>
-            <a:ext cx="10131425" cy="922020"/>
-          </a:xfrm>
-        </p:spPr>
-        <p:txBody>
-          <a:bodyPr/>
+            <a:off x="334819" y="355139"/>
+            <a:ext cx="10482407" cy="905164"/>
+          </a:xfrm>
+        </p:spPr>
+        <p:txBody>
+          <a:bodyPr>
+            <a:normAutofit fontScale="90000"/>
+          </a:bodyPr>
           <a:lstStyle/>
           <a:p>
             <a:r>
               <a:rPr lang="en-US" dirty="0"/>
-              <a:t>What You’ll Need FIRST: Access to an LLM API</a:t>
-            </a:r>
+              <a:t>Now, We’re READY To CODE</a:t>
+            </a:r>
+            <a:br>
+              <a:rPr lang="en-US" dirty="0"/>
+            </a:br>
+            <a:br>
+              <a:rPr lang="en-US" dirty="0"/>
+            </a:br>
+            <a:endParaRPr lang="en-US" dirty="0"/>
           </a:p>
         </p:txBody>
       </p:sp>
       <p:pic>
         <p:nvPicPr>
-          <p:cNvPr id="9" name="Picture 8" descr="A screenshot of a computer&#10;&#10;Description automatically generated">
+          <p:cNvPr id="4" name="Picture 3" descr="A white rectangle with blue lines&#10;&#10;Description automatically generated">
             <a:extLst>
               <a:ext uri="{FF2B5EF4-FFF2-40B4-BE49-F238E27FC236}">
-                <a16:creationId xmlns:a16="http://schemas.microsoft.com/office/drawing/2014/main" id="{2DF450F0-6684-EA6D-FD40-8F24BC143555}"/>
+                <a16:creationId xmlns:a16="http://schemas.microsoft.com/office/drawing/2014/main" id="{F563BF5C-0C89-BE62-671D-B9BAA1496E22}"/>
               </a:ext>
             </a:extLst>
           </p:cNvPr>
@@ -13189,8 +12943,8 @@
         </p:blipFill>
         <p:spPr>
           <a:xfrm>
-            <a:off x="262581" y="1476019"/>
-            <a:ext cx="5833419" cy="2777704"/>
+            <a:off x="527407" y="1708134"/>
+            <a:ext cx="3600635" cy="622332"/>
           </a:xfrm>
           <a:prstGeom prst="rect">
             <a:avLst/>
@@ -13199,45 +12953,327 @@
       </p:pic>
       <p:sp>
         <p:nvSpPr>
-          <p:cNvPr id="10" name="TextBox 9">
+          <p:cNvPr id="5" name="Content Placeholder 2">
             <a:extLst>
               <a:ext uri="{FF2B5EF4-FFF2-40B4-BE49-F238E27FC236}">
-                <a16:creationId xmlns:a16="http://schemas.microsoft.com/office/drawing/2014/main" id="{C87CD0E9-F235-19C7-97C1-B607004F67FE}"/>
+                <a16:creationId xmlns:a16="http://schemas.microsoft.com/office/drawing/2014/main" id="{A3A0B90A-94CA-EB36-0EE8-24B94A4B88DF}"/>
               </a:ext>
             </a:extLst>
           </p:cNvPr>
-          <p:cNvSpPr txBox="1"/>
+          <p:cNvSpPr>
+            <a:spLocks noGrp="1"/>
+          </p:cNvSpPr>
+          <p:nvPr>
+            <p:ph idx="1"/>
+          </p:nvPr>
+        </p:nvSpPr>
+        <p:spPr>
+          <a:xfrm>
+            <a:off x="422355" y="1032616"/>
+            <a:ext cx="10610890" cy="455374"/>
+          </a:xfrm>
+        </p:spPr>
+        <p:txBody>
+          <a:bodyPr anchor="t" anchorCtr="0">
+            <a:normAutofit/>
+          </a:bodyPr>
+          <a:lstStyle/>
+          <a:p>
+            <a:pPr marL="0" indent="0">
+              <a:buNone/>
+            </a:pPr>
+            <a:r>
+              <a:rPr lang="en-US" dirty="0"/>
+              <a:t>These are the only two python packages you will need:</a:t>
+            </a:r>
+          </a:p>
+        </p:txBody>
+      </p:sp>
+      <p:sp>
+        <p:nvSpPr>
+          <p:cNvPr id="6" name="Content Placeholder 2">
+            <a:extLst>
+              <a:ext uri="{FF2B5EF4-FFF2-40B4-BE49-F238E27FC236}">
+                <a16:creationId xmlns:a16="http://schemas.microsoft.com/office/drawing/2014/main" id="{C404C2BD-F182-6F92-4522-5413DD350B6C}"/>
+              </a:ext>
+            </a:extLst>
+          </p:cNvPr>
+          <p:cNvSpPr txBox="1">
+            <a:spLocks/>
+          </p:cNvSpPr>
           <p:nvPr/>
         </p:nvSpPr>
         <p:spPr>
           <a:xfrm>
-            <a:off x="262581" y="1106687"/>
-            <a:ext cx="5061332" cy="369332"/>
+            <a:off x="422355" y="3179289"/>
+            <a:ext cx="10610890" cy="455374"/>
           </a:xfrm>
           <a:prstGeom prst="rect">
             <a:avLst/>
           </a:prstGeom>
-          <a:noFill/>
-        </p:spPr>
-        <p:txBody>
-          <a:bodyPr wrap="square" rtlCol="0">
-            <a:spAutoFit/>
+        </p:spPr>
+        <p:txBody>
+          <a:bodyPr vert="horz" lIns="91440" tIns="45720" rIns="91440" bIns="45720" rtlCol="0" anchor="t" anchorCtr="0">
+            <a:normAutofit fontScale="25000" lnSpcReduction="20000"/>
           </a:bodyPr>
-          <a:lstStyle/>
-          <a:p>
-            <a:r>
-              <a:rPr lang="en-US" dirty="0"/>
-              <a:t>Azure AI Machine Learning Studio Model Catalog</a:t>
-            </a:r>
+          <a:lstStyle>
+            <a:lvl1pPr marL="285750" indent="-285750" algn="l" defTabSz="457200" rtl="0" eaLnBrk="1" latinLnBrk="0" hangingPunct="1">
+              <a:spcBef>
+                <a:spcPts val="0"/>
+              </a:spcBef>
+              <a:spcAft>
+                <a:spcPts val="1000"/>
+              </a:spcAft>
+              <a:buClr>
+                <a:schemeClr val="tx1"/>
+              </a:buClr>
+              <a:buSzPct val="100000"/>
+              <a:buFont typeface="Arial"/>
+              <a:buChar char="•"/>
+              <a:defRPr sz="1800" kern="1200" cap="none">
+                <a:solidFill>
+                  <a:schemeClr val="tx1"/>
+                </a:solidFill>
+                <a:effectLst/>
+                <a:latin typeface="+mn-lt"/>
+                <a:ea typeface="+mn-ea"/>
+                <a:cs typeface="+mn-cs"/>
+              </a:defRPr>
+            </a:lvl1pPr>
+            <a:lvl2pPr marL="742950" indent="-285750" algn="l" defTabSz="457200" rtl="0" eaLnBrk="1" latinLnBrk="0" hangingPunct="1">
+              <a:spcBef>
+                <a:spcPts val="0"/>
+              </a:spcBef>
+              <a:spcAft>
+                <a:spcPts val="1000"/>
+              </a:spcAft>
+              <a:buClr>
+                <a:schemeClr val="tx1"/>
+              </a:buClr>
+              <a:buSzPct val="100000"/>
+              <a:buFont typeface="Arial"/>
+              <a:buChar char="•"/>
+              <a:defRPr sz="1600" kern="1200" cap="none">
+                <a:solidFill>
+                  <a:schemeClr val="tx1"/>
+                </a:solidFill>
+                <a:effectLst/>
+                <a:latin typeface="+mn-lt"/>
+                <a:ea typeface="+mn-ea"/>
+                <a:cs typeface="+mn-cs"/>
+              </a:defRPr>
+            </a:lvl2pPr>
+            <a:lvl3pPr marL="1200150" indent="-285750" algn="l" defTabSz="457200" rtl="0" eaLnBrk="1" latinLnBrk="0" hangingPunct="1">
+              <a:spcBef>
+                <a:spcPts val="0"/>
+              </a:spcBef>
+              <a:spcAft>
+                <a:spcPts val="1000"/>
+              </a:spcAft>
+              <a:buClr>
+                <a:schemeClr val="tx1"/>
+              </a:buClr>
+              <a:buSzPct val="100000"/>
+              <a:buFont typeface="Arial"/>
+              <a:buChar char="•"/>
+              <a:defRPr sz="1400" kern="1200" cap="none">
+                <a:solidFill>
+                  <a:schemeClr val="tx1"/>
+                </a:solidFill>
+                <a:effectLst/>
+                <a:latin typeface="+mn-lt"/>
+                <a:ea typeface="+mn-ea"/>
+                <a:cs typeface="+mn-cs"/>
+              </a:defRPr>
+            </a:lvl3pPr>
+            <a:lvl4pPr marL="1543050" indent="-171450" algn="l" defTabSz="457200" rtl="0" eaLnBrk="1" latinLnBrk="0" hangingPunct="1">
+              <a:spcBef>
+                <a:spcPts val="0"/>
+              </a:spcBef>
+              <a:spcAft>
+                <a:spcPts val="1000"/>
+              </a:spcAft>
+              <a:buClr>
+                <a:schemeClr val="tx1"/>
+              </a:buClr>
+              <a:buSzPct val="100000"/>
+              <a:buFont typeface="Arial"/>
+              <a:buChar char="•"/>
+              <a:defRPr sz="1200" kern="1200" cap="none">
+                <a:solidFill>
+                  <a:schemeClr val="tx1"/>
+                </a:solidFill>
+                <a:effectLst/>
+                <a:latin typeface="+mn-lt"/>
+                <a:ea typeface="+mn-ea"/>
+                <a:cs typeface="+mn-cs"/>
+              </a:defRPr>
+            </a:lvl4pPr>
+            <a:lvl5pPr marL="2000250" indent="-171450" algn="l" defTabSz="457200" rtl="0" eaLnBrk="1" latinLnBrk="0" hangingPunct="1">
+              <a:spcBef>
+                <a:spcPts val="0"/>
+              </a:spcBef>
+              <a:spcAft>
+                <a:spcPts val="1000"/>
+              </a:spcAft>
+              <a:buClr>
+                <a:schemeClr val="tx1"/>
+              </a:buClr>
+              <a:buSzPct val="100000"/>
+              <a:buFont typeface="Arial"/>
+              <a:buChar char="•"/>
+              <a:defRPr sz="1200" kern="1200" cap="none">
+                <a:solidFill>
+                  <a:schemeClr val="tx1"/>
+                </a:solidFill>
+                <a:effectLst/>
+                <a:latin typeface="+mn-lt"/>
+                <a:ea typeface="+mn-ea"/>
+                <a:cs typeface="+mn-cs"/>
+              </a:defRPr>
+            </a:lvl5pPr>
+            <a:lvl6pPr marL="2514600" indent="-228600" algn="l" defTabSz="457200" rtl="0" eaLnBrk="1" latinLnBrk="0" hangingPunct="1">
+              <a:spcBef>
+                <a:spcPts val="0"/>
+              </a:spcBef>
+              <a:spcAft>
+                <a:spcPts val="1000"/>
+              </a:spcAft>
+              <a:buClr>
+                <a:schemeClr val="tx1"/>
+              </a:buClr>
+              <a:buSzPct val="100000"/>
+              <a:buFont typeface="Arial"/>
+              <a:buChar char="•"/>
+              <a:defRPr sz="1200" kern="1200" cap="none">
+                <a:solidFill>
+                  <a:schemeClr val="tx1"/>
+                </a:solidFill>
+                <a:effectLst/>
+                <a:latin typeface="+mn-lt"/>
+                <a:ea typeface="+mn-ea"/>
+                <a:cs typeface="+mn-cs"/>
+              </a:defRPr>
+            </a:lvl6pPr>
+            <a:lvl7pPr marL="2971800" indent="-228600" algn="l" defTabSz="457200" rtl="0" eaLnBrk="1" latinLnBrk="0" hangingPunct="1">
+              <a:spcBef>
+                <a:spcPts val="0"/>
+              </a:spcBef>
+              <a:spcAft>
+                <a:spcPts val="1000"/>
+              </a:spcAft>
+              <a:buClr>
+                <a:schemeClr val="tx1"/>
+              </a:buClr>
+              <a:buSzPct val="100000"/>
+              <a:buFont typeface="Arial"/>
+              <a:buChar char="•"/>
+              <a:defRPr sz="1200" kern="1200" cap="none">
+                <a:solidFill>
+                  <a:schemeClr val="tx1"/>
+                </a:solidFill>
+                <a:effectLst/>
+                <a:latin typeface="+mn-lt"/>
+                <a:ea typeface="+mn-ea"/>
+                <a:cs typeface="+mn-cs"/>
+              </a:defRPr>
+            </a:lvl7pPr>
+            <a:lvl8pPr marL="3429000" indent="-228600" algn="l" defTabSz="457200" rtl="0" eaLnBrk="1" latinLnBrk="0" hangingPunct="1">
+              <a:spcBef>
+                <a:spcPts val="0"/>
+              </a:spcBef>
+              <a:spcAft>
+                <a:spcPts val="1000"/>
+              </a:spcAft>
+              <a:buClr>
+                <a:schemeClr val="tx1"/>
+              </a:buClr>
+              <a:buSzPct val="100000"/>
+              <a:buFont typeface="Arial"/>
+              <a:buChar char="•"/>
+              <a:defRPr sz="1200" kern="1200" cap="none">
+                <a:solidFill>
+                  <a:schemeClr val="tx1"/>
+                </a:solidFill>
+                <a:effectLst/>
+                <a:latin typeface="+mn-lt"/>
+                <a:ea typeface="+mn-ea"/>
+                <a:cs typeface="+mn-cs"/>
+              </a:defRPr>
+            </a:lvl8pPr>
+            <a:lvl9pPr marL="3886200" indent="-228600" algn="l" defTabSz="457200" rtl="0" eaLnBrk="1" latinLnBrk="0" hangingPunct="1">
+              <a:spcBef>
+                <a:spcPts val="0"/>
+              </a:spcBef>
+              <a:spcAft>
+                <a:spcPts val="1000"/>
+              </a:spcAft>
+              <a:buClr>
+                <a:schemeClr val="tx1"/>
+              </a:buClr>
+              <a:buSzPct val="100000"/>
+              <a:buFont typeface="Arial"/>
+              <a:buChar char="•"/>
+              <a:defRPr sz="1200" kern="1200" cap="none">
+                <a:solidFill>
+                  <a:schemeClr val="tx1"/>
+                </a:solidFill>
+                <a:effectLst/>
+                <a:latin typeface="+mn-lt"/>
+                <a:ea typeface="+mn-ea"/>
+                <a:cs typeface="+mn-cs"/>
+              </a:defRPr>
+            </a:lvl9pPr>
+          </a:lstStyle>
+          <a:p>
+            <a:pPr marL="0" indent="0">
+              <a:buFont typeface="Arial"/>
+              <a:buNone/>
+            </a:pPr>
+            <a:r>
+              <a:rPr lang="en-US" sz="7200" dirty="0"/>
+              <a:t>You can also use the OpenAI package and objects, but…</a:t>
+            </a:r>
+          </a:p>
+          <a:p>
+            <a:r>
+              <a:rPr lang="en-US" sz="7200" dirty="0"/>
+              <a:t>OpenAI package dependencies can be cumbersome (had to pin version in example below)</a:t>
+            </a:r>
+          </a:p>
+          <a:p>
+            <a:r>
+              <a:rPr lang="en-US" sz="7200" dirty="0"/>
+              <a:t>The REST Interface via the requests package is already very simple to use</a:t>
+            </a:r>
+          </a:p>
+          <a:p>
+            <a:r>
+              <a:rPr lang="en-US" sz="7200" dirty="0"/>
+              <a:t>Swapping in another vendor’s LLMs (i.e. Meta Llama, Claude) is far easier with REST interface as those other models provide REST interfaces as well</a:t>
+            </a:r>
+          </a:p>
+          <a:p>
+            <a:pPr marL="0" indent="0">
+              <a:buNone/>
+            </a:pPr>
+            <a:endParaRPr lang="en-US" sz="1800" dirty="0"/>
+          </a:p>
+          <a:p>
+            <a:pPr marL="0" indent="0">
+              <a:buFont typeface="Arial"/>
+              <a:buNone/>
+            </a:pPr>
+            <a:endParaRPr lang="en-US" dirty="0"/>
           </a:p>
         </p:txBody>
       </p:sp>
       <p:pic>
         <p:nvPicPr>
-          <p:cNvPr id="14" name="Picture 13" descr="A screenshot of a computer&#10;&#10;Description automatically generated">
+          <p:cNvPr id="11" name="Picture 10" descr="A screenshot of a computer&#10;&#10;Description automatically generated">
             <a:extLst>
               <a:ext uri="{FF2B5EF4-FFF2-40B4-BE49-F238E27FC236}">
-                <a16:creationId xmlns:a16="http://schemas.microsoft.com/office/drawing/2014/main" id="{51E46C88-23B1-F057-20F5-827B61B3BA14}"/>
+                <a16:creationId xmlns:a16="http://schemas.microsoft.com/office/drawing/2014/main" id="{3345EAB2-D1BD-C42A-6D11-B3EB4EEF5706}"/>
               </a:ext>
             </a:extLst>
           </p:cNvPr>
@@ -13254,8 +13290,8 @@
         </p:blipFill>
         <p:spPr>
           <a:xfrm>
-            <a:off x="6477695" y="3570661"/>
-            <a:ext cx="5451724" cy="2867071"/>
+            <a:off x="595987" y="4908305"/>
+            <a:ext cx="2749691" cy="1206562"/>
           </a:xfrm>
           <a:prstGeom prst="rect">
             <a:avLst/>
@@ -13264,43 +13300,253 @@
       </p:pic>
       <p:sp>
         <p:nvSpPr>
-          <p:cNvPr id="15" name="TextBox 14">
+          <p:cNvPr id="12" name="Content Placeholder 2">
             <a:extLst>
               <a:ext uri="{FF2B5EF4-FFF2-40B4-BE49-F238E27FC236}">
-                <a16:creationId xmlns:a16="http://schemas.microsoft.com/office/drawing/2014/main" id="{B52B03A9-7093-C339-7DC7-5B022B6BD77E}"/>
+                <a16:creationId xmlns:a16="http://schemas.microsoft.com/office/drawing/2014/main" id="{9B82A974-7E8D-D44F-98B6-F2B1D5FF2BC3}"/>
               </a:ext>
             </a:extLst>
           </p:cNvPr>
-          <p:cNvSpPr txBox="1"/>
+          <p:cNvSpPr txBox="1">
+            <a:spLocks/>
+          </p:cNvSpPr>
           <p:nvPr/>
         </p:nvSpPr>
         <p:spPr>
           <a:xfrm>
-            <a:off x="6375997" y="3244334"/>
-            <a:ext cx="5061332" cy="369332"/>
+            <a:off x="527407" y="5361400"/>
+            <a:ext cx="10610890" cy="455374"/>
           </a:xfrm>
           <a:prstGeom prst="rect">
             <a:avLst/>
           </a:prstGeom>
-          <a:noFill/>
-        </p:spPr>
-        <p:txBody>
-          <a:bodyPr wrap="square" rtlCol="0">
-            <a:spAutoFit/>
+        </p:spPr>
+        <p:txBody>
+          <a:bodyPr vert="horz" lIns="91440" tIns="45720" rIns="91440" bIns="45720" rtlCol="0" anchor="t" anchorCtr="0">
+            <a:normAutofit/>
           </a:bodyPr>
-          <a:lstStyle/>
-          <a:p>
-            <a:r>
-              <a:rPr lang="en-US" dirty="0"/>
-              <a:t>OpenAI Developer Platform</a:t>
-            </a:r>
+          <a:lstStyle>
+            <a:lvl1pPr marL="285750" indent="-285750" algn="l" defTabSz="457200" rtl="0" eaLnBrk="1" latinLnBrk="0" hangingPunct="1">
+              <a:spcBef>
+                <a:spcPts val="0"/>
+              </a:spcBef>
+              <a:spcAft>
+                <a:spcPts val="1000"/>
+              </a:spcAft>
+              <a:buClr>
+                <a:schemeClr val="tx1"/>
+              </a:buClr>
+              <a:buSzPct val="100000"/>
+              <a:buFont typeface="Arial"/>
+              <a:buChar char="•"/>
+              <a:defRPr sz="1800" kern="1200" cap="none">
+                <a:solidFill>
+                  <a:schemeClr val="tx1"/>
+                </a:solidFill>
+                <a:effectLst/>
+                <a:latin typeface="+mn-lt"/>
+                <a:ea typeface="+mn-ea"/>
+                <a:cs typeface="+mn-cs"/>
+              </a:defRPr>
+            </a:lvl1pPr>
+            <a:lvl2pPr marL="742950" indent="-285750" algn="l" defTabSz="457200" rtl="0" eaLnBrk="1" latinLnBrk="0" hangingPunct="1">
+              <a:spcBef>
+                <a:spcPts val="0"/>
+              </a:spcBef>
+              <a:spcAft>
+                <a:spcPts val="1000"/>
+              </a:spcAft>
+              <a:buClr>
+                <a:schemeClr val="tx1"/>
+              </a:buClr>
+              <a:buSzPct val="100000"/>
+              <a:buFont typeface="Arial"/>
+              <a:buChar char="•"/>
+              <a:defRPr sz="1600" kern="1200" cap="none">
+                <a:solidFill>
+                  <a:schemeClr val="tx1"/>
+                </a:solidFill>
+                <a:effectLst/>
+                <a:latin typeface="+mn-lt"/>
+                <a:ea typeface="+mn-ea"/>
+                <a:cs typeface="+mn-cs"/>
+              </a:defRPr>
+            </a:lvl2pPr>
+            <a:lvl3pPr marL="1200150" indent="-285750" algn="l" defTabSz="457200" rtl="0" eaLnBrk="1" latinLnBrk="0" hangingPunct="1">
+              <a:spcBef>
+                <a:spcPts val="0"/>
+              </a:spcBef>
+              <a:spcAft>
+                <a:spcPts val="1000"/>
+              </a:spcAft>
+              <a:buClr>
+                <a:schemeClr val="tx1"/>
+              </a:buClr>
+              <a:buSzPct val="100000"/>
+              <a:buFont typeface="Arial"/>
+              <a:buChar char="•"/>
+              <a:defRPr sz="1400" kern="1200" cap="none">
+                <a:solidFill>
+                  <a:schemeClr val="tx1"/>
+                </a:solidFill>
+                <a:effectLst/>
+                <a:latin typeface="+mn-lt"/>
+                <a:ea typeface="+mn-ea"/>
+                <a:cs typeface="+mn-cs"/>
+              </a:defRPr>
+            </a:lvl3pPr>
+            <a:lvl4pPr marL="1543050" indent="-171450" algn="l" defTabSz="457200" rtl="0" eaLnBrk="1" latinLnBrk="0" hangingPunct="1">
+              <a:spcBef>
+                <a:spcPts val="0"/>
+              </a:spcBef>
+              <a:spcAft>
+                <a:spcPts val="1000"/>
+              </a:spcAft>
+              <a:buClr>
+                <a:schemeClr val="tx1"/>
+              </a:buClr>
+              <a:buSzPct val="100000"/>
+              <a:buFont typeface="Arial"/>
+              <a:buChar char="•"/>
+              <a:defRPr sz="1200" kern="1200" cap="none">
+                <a:solidFill>
+                  <a:schemeClr val="tx1"/>
+                </a:solidFill>
+                <a:effectLst/>
+                <a:latin typeface="+mn-lt"/>
+                <a:ea typeface="+mn-ea"/>
+                <a:cs typeface="+mn-cs"/>
+              </a:defRPr>
+            </a:lvl4pPr>
+            <a:lvl5pPr marL="2000250" indent="-171450" algn="l" defTabSz="457200" rtl="0" eaLnBrk="1" latinLnBrk="0" hangingPunct="1">
+              <a:spcBef>
+                <a:spcPts val="0"/>
+              </a:spcBef>
+              <a:spcAft>
+                <a:spcPts val="1000"/>
+              </a:spcAft>
+              <a:buClr>
+                <a:schemeClr val="tx1"/>
+              </a:buClr>
+              <a:buSzPct val="100000"/>
+              <a:buFont typeface="Arial"/>
+              <a:buChar char="•"/>
+              <a:defRPr sz="1200" kern="1200" cap="none">
+                <a:solidFill>
+                  <a:schemeClr val="tx1"/>
+                </a:solidFill>
+                <a:effectLst/>
+                <a:latin typeface="+mn-lt"/>
+                <a:ea typeface="+mn-ea"/>
+                <a:cs typeface="+mn-cs"/>
+              </a:defRPr>
+            </a:lvl5pPr>
+            <a:lvl6pPr marL="2514600" indent="-228600" algn="l" defTabSz="457200" rtl="0" eaLnBrk="1" latinLnBrk="0" hangingPunct="1">
+              <a:spcBef>
+                <a:spcPts val="0"/>
+              </a:spcBef>
+              <a:spcAft>
+                <a:spcPts val="1000"/>
+              </a:spcAft>
+              <a:buClr>
+                <a:schemeClr val="tx1"/>
+              </a:buClr>
+              <a:buSzPct val="100000"/>
+              <a:buFont typeface="Arial"/>
+              <a:buChar char="•"/>
+              <a:defRPr sz="1200" kern="1200" cap="none">
+                <a:solidFill>
+                  <a:schemeClr val="tx1"/>
+                </a:solidFill>
+                <a:effectLst/>
+                <a:latin typeface="+mn-lt"/>
+                <a:ea typeface="+mn-ea"/>
+                <a:cs typeface="+mn-cs"/>
+              </a:defRPr>
+            </a:lvl6pPr>
+            <a:lvl7pPr marL="2971800" indent="-228600" algn="l" defTabSz="457200" rtl="0" eaLnBrk="1" latinLnBrk="0" hangingPunct="1">
+              <a:spcBef>
+                <a:spcPts val="0"/>
+              </a:spcBef>
+              <a:spcAft>
+                <a:spcPts val="1000"/>
+              </a:spcAft>
+              <a:buClr>
+                <a:schemeClr val="tx1"/>
+              </a:buClr>
+              <a:buSzPct val="100000"/>
+              <a:buFont typeface="Arial"/>
+              <a:buChar char="•"/>
+              <a:defRPr sz="1200" kern="1200" cap="none">
+                <a:solidFill>
+                  <a:schemeClr val="tx1"/>
+                </a:solidFill>
+                <a:effectLst/>
+                <a:latin typeface="+mn-lt"/>
+                <a:ea typeface="+mn-ea"/>
+                <a:cs typeface="+mn-cs"/>
+              </a:defRPr>
+            </a:lvl7pPr>
+            <a:lvl8pPr marL="3429000" indent="-228600" algn="l" defTabSz="457200" rtl="0" eaLnBrk="1" latinLnBrk="0" hangingPunct="1">
+              <a:spcBef>
+                <a:spcPts val="0"/>
+              </a:spcBef>
+              <a:spcAft>
+                <a:spcPts val="1000"/>
+              </a:spcAft>
+              <a:buClr>
+                <a:schemeClr val="tx1"/>
+              </a:buClr>
+              <a:buSzPct val="100000"/>
+              <a:buFont typeface="Arial"/>
+              <a:buChar char="•"/>
+              <a:defRPr sz="1200" kern="1200" cap="none">
+                <a:solidFill>
+                  <a:schemeClr val="tx1"/>
+                </a:solidFill>
+                <a:effectLst/>
+                <a:latin typeface="+mn-lt"/>
+                <a:ea typeface="+mn-ea"/>
+                <a:cs typeface="+mn-cs"/>
+              </a:defRPr>
+            </a:lvl8pPr>
+            <a:lvl9pPr marL="3886200" indent="-228600" algn="l" defTabSz="457200" rtl="0" eaLnBrk="1" latinLnBrk="0" hangingPunct="1">
+              <a:spcBef>
+                <a:spcPts val="0"/>
+              </a:spcBef>
+              <a:spcAft>
+                <a:spcPts val="1000"/>
+              </a:spcAft>
+              <a:buClr>
+                <a:schemeClr val="tx1"/>
+              </a:buClr>
+              <a:buSzPct val="100000"/>
+              <a:buFont typeface="Arial"/>
+              <a:buChar char="•"/>
+              <a:defRPr sz="1200" kern="1200" cap="none">
+                <a:solidFill>
+                  <a:schemeClr val="tx1"/>
+                </a:solidFill>
+                <a:effectLst/>
+                <a:latin typeface="+mn-lt"/>
+                <a:ea typeface="+mn-ea"/>
+                <a:cs typeface="+mn-cs"/>
+              </a:defRPr>
+            </a:lvl9pPr>
+          </a:lstStyle>
+          <a:p>
+            <a:pPr marL="0" indent="0">
+              <a:buFont typeface="Arial"/>
+              <a:buNone/>
+            </a:pPr>
+            <a:endParaRPr lang="en-US" dirty="0"/>
           </a:p>
         </p:txBody>
       </p:sp>
     </p:spTree>
     <p:extLst>
       <p:ext uri="{BB962C8B-B14F-4D97-AF65-F5344CB8AC3E}">
-        <p14:creationId xmlns:p14="http://schemas.microsoft.com/office/powerpoint/2010/main" val="72404166"/>
+        <p14:creationId xmlns:p14="http://schemas.microsoft.com/office/powerpoint/2010/main" val="406453055"/>
       </p:ext>
     </p:extLst>
   </p:cSld>
@@ -14150,6 +14396,15 @@
 </file>
 
 <file path=customXml/item1.xml><?xml version="1.0" encoding="utf-8"?>
+<p:properties xmlns:p="http://schemas.microsoft.com/office/2006/metadata/properties" xmlns:xsi="http://www.w3.org/2001/XMLSchema-instance" xmlns:pc="http://schemas.microsoft.com/office/infopath/2007/PartnerControls">
+  <documentManagement>
+    <Status xmlns="71af3243-3dd4-4a8d-8c0d-dd76da1f02a5">Not started</Status>
+    <MediaServiceKeyPoints xmlns="71af3243-3dd4-4a8d-8c0d-dd76da1f02a5" xsi:nil="true"/>
+  </documentManagement>
+</p:properties>
+</file>
+
+<file path=customXml/item2.xml><?xml version="1.0" encoding="utf-8"?>
 <ct:contentTypeSchema xmlns:ct="http://schemas.microsoft.com/office/2006/metadata/contentType" xmlns:ma="http://schemas.microsoft.com/office/2006/metadata/properties/metaAttributes" ct:_="" ma:_="" ma:contentTypeName="Document" ma:contentTypeID="0x01010079F111ED35F8CC479449609E8A0923A6" ma:contentTypeVersion="12" ma:contentTypeDescription="Create a new document." ma:contentTypeScope="" ma:versionID="93813dd7ca6ad654711aa0ab317e03a3">
   <xsd:schema xmlns:xsd="http://www.w3.org/2001/XMLSchema" xmlns:xs="http://www.w3.org/2001/XMLSchema" xmlns:p="http://schemas.microsoft.com/office/2006/metadata/properties" xmlns:ns2="71af3243-3dd4-4a8d-8c0d-dd76da1f02a5" xmlns:ns3="16c05727-aa75-4e4a-9b5f-8a80a1165891" targetNamespace="http://schemas.microsoft.com/office/2006/metadata/properties" ma:root="true" ma:fieldsID="f11dc0ce689dd3925e84e4e35398c6e7" ns2:_="" ns3:_="">
     <xsd:import namespace="71af3243-3dd4-4a8d-8c0d-dd76da1f02a5"/>
@@ -14370,7 +14625,7 @@
 </ct:contentTypeSchema>
 </file>
 
-<file path=customXml/item2.xml><?xml version="1.0" encoding="utf-8"?>
+<file path=customXml/item3.xml><?xml version="1.0" encoding="utf-8"?>
 <?mso-contentType ?>
 <FormTemplates xmlns="http://schemas.microsoft.com/sharepoint/v3/contenttype/forms">
   <Display>DocumentLibraryForm</Display>
@@ -14379,16 +14634,24 @@
 </FormTemplates>
 </file>
 
-<file path=customXml/item3.xml><?xml version="1.0" encoding="utf-8"?>
-<p:properties xmlns:p="http://schemas.microsoft.com/office/2006/metadata/properties" xmlns:xsi="http://www.w3.org/2001/XMLSchema-instance" xmlns:pc="http://schemas.microsoft.com/office/infopath/2007/PartnerControls">
-  <documentManagement>
-    <Status xmlns="71af3243-3dd4-4a8d-8c0d-dd76da1f02a5">Not started</Status>
-    <MediaServiceKeyPoints xmlns="71af3243-3dd4-4a8d-8c0d-dd76da1f02a5" xsi:nil="true"/>
-  </documentManagement>
-</p:properties>
+<file path=customXml/itemProps1.xml><?xml version="1.0" encoding="utf-8"?>
+<ds:datastoreItem xmlns:ds="http://schemas.openxmlformats.org/officeDocument/2006/customXml" ds:itemID="{1F08B90B-70ED-4539-9C14-FB2728D9064F}">
+  <ds:schemaRefs>
+    <ds:schemaRef ds:uri="http://schemas.openxmlformats.org/package/2006/metadata/core-properties"/>
+    <ds:schemaRef ds:uri="http://schemas.microsoft.com/office/2006/documentManagement/types"/>
+    <ds:schemaRef ds:uri="http://schemas.microsoft.com/office/2006/metadata/properties"/>
+    <ds:schemaRef ds:uri="http://purl.org/dc/elements/1.1/"/>
+    <ds:schemaRef ds:uri="71af3243-3dd4-4a8d-8c0d-dd76da1f02a5"/>
+    <ds:schemaRef ds:uri="http://schemas.microsoft.com/office/infopath/2007/PartnerControls"/>
+    <ds:schemaRef ds:uri="http://purl.org/dc/terms/"/>
+    <ds:schemaRef ds:uri="16c05727-aa75-4e4a-9b5f-8a80a1165891"/>
+    <ds:schemaRef ds:uri="http://www.w3.org/XML/1998/namespace"/>
+    <ds:schemaRef ds:uri="http://purl.org/dc/dcmitype/"/>
+  </ds:schemaRefs>
+</ds:datastoreItem>
 </file>
 
-<file path=customXml/itemProps1.xml><?xml version="1.0" encoding="utf-8"?>
+<file path=customXml/itemProps2.xml><?xml version="1.0" encoding="utf-8"?>
 <ds:datastoreItem xmlns:ds="http://schemas.openxmlformats.org/officeDocument/2006/customXml" ds:itemID="{9E8D3305-1D9D-4BC8-A40F-6F8AE50BD76B}">
   <ds:schemaRefs>
     <ds:schemaRef ds:uri="http://schemas.microsoft.com/office/2006/metadata/contentType"/>
@@ -14407,27 +14670,10 @@
 </ds:datastoreItem>
 </file>
 
-<file path=customXml/itemProps2.xml><?xml version="1.0" encoding="utf-8"?>
+<file path=customXml/itemProps3.xml><?xml version="1.0" encoding="utf-8"?>
 <ds:datastoreItem xmlns:ds="http://schemas.openxmlformats.org/officeDocument/2006/customXml" ds:itemID="{A0D51BCB-0419-432E-B7F1-25548446A625}">
   <ds:schemaRefs>
     <ds:schemaRef ds:uri="http://schemas.microsoft.com/sharepoint/v3/contenttype/forms"/>
   </ds:schemaRefs>
 </ds:datastoreItem>
-</file>
-
-<file path=customXml/itemProps3.xml><?xml version="1.0" encoding="utf-8"?>
-<ds:datastoreItem xmlns:ds="http://schemas.openxmlformats.org/officeDocument/2006/customXml" ds:itemID="{1F08B90B-70ED-4539-9C14-FB2728D9064F}">
-  <ds:schemaRefs>
-    <ds:schemaRef ds:uri="http://schemas.openxmlformats.org/package/2006/metadata/core-properties"/>
-    <ds:schemaRef ds:uri="http://schemas.microsoft.com/office/2006/documentManagement/types"/>
-    <ds:schemaRef ds:uri="http://schemas.microsoft.com/office/2006/metadata/properties"/>
-    <ds:schemaRef ds:uri="http://purl.org/dc/elements/1.1/"/>
-    <ds:schemaRef ds:uri="71af3243-3dd4-4a8d-8c0d-dd76da1f02a5"/>
-    <ds:schemaRef ds:uri="http://schemas.microsoft.com/office/infopath/2007/PartnerControls"/>
-    <ds:schemaRef ds:uri="http://purl.org/dc/terms/"/>
-    <ds:schemaRef ds:uri="16c05727-aa75-4e4a-9b5f-8a80a1165891"/>
-    <ds:schemaRef ds:uri="http://www.w3.org/XML/1998/namespace"/>
-    <ds:schemaRef ds:uri="http://purl.org/dc/dcmitype/"/>
-  </ds:schemaRefs>
-</ds:datastoreItem>
 </file>
--- a/John Shipway - Calling LLM from Python.pptx
+++ b/John Shipway - Calling LLM from Python.pptx
@@ -5,10 +5,10 @@
     <p:sldMasterId id="2147483744" r:id="rId4"/>
   </p:sldMasterIdLst>
   <p:notesMasterIdLst>
-    <p:notesMasterId r:id="rId22"/>
+    <p:notesMasterId r:id="rId23"/>
   </p:notesMasterIdLst>
   <p:handoutMasterIdLst>
-    <p:handoutMasterId r:id="rId23"/>
+    <p:handoutMasterId r:id="rId24"/>
   </p:handoutMasterIdLst>
   <p:sldIdLst>
     <p:sldId id="256" r:id="rId5"/>
@@ -25,9 +25,10 @@
     <p:sldId id="1638" r:id="rId16"/>
     <p:sldId id="1620" r:id="rId17"/>
     <p:sldId id="1639" r:id="rId18"/>
-    <p:sldId id="1625" r:id="rId19"/>
-    <p:sldId id="1616" r:id="rId20"/>
-    <p:sldId id="1626" r:id="rId21"/>
+    <p:sldId id="1640" r:id="rId19"/>
+    <p:sldId id="1625" r:id="rId20"/>
+    <p:sldId id="1616" r:id="rId21"/>
+    <p:sldId id="1626" r:id="rId22"/>
   </p:sldIdLst>
   <p:sldSz cx="12192000" cy="6858000"/>
   <p:notesSz cx="6858000" cy="9144000"/>
@@ -152,6 +153,7 @@
 <p1510:revInfo xmlns:a="http://schemas.openxmlformats.org/drawingml/2006/main" xmlns:r="http://schemas.openxmlformats.org/officeDocument/2006/relationships" xmlns:p1510="http://schemas.microsoft.com/office/powerpoint/2015/10/main">
   <p1510:revLst>
     <p1510:client id="{29D369FE-7D76-4A44-8523-814BB2589950}" v="2" dt="2024-12-05T16:41:52.792"/>
+    <p1510:client id="{865F7E83-16D4-4CF3-A5C7-C56B2C43C1AA}" v="2" dt="2024-12-05T16:45:28.773"/>
   </p1510:revLst>
 </p1510:revInfo>
 </file>
@@ -843,7 +845,7 @@
           <a:p>
             <a:fld id="{F3544625-0ADF-4414-89A2-9E135F0C849F}" type="slidenum">
               <a:rPr lang="en-US" smtClean="0"/>
-              <a:t>16</a:t>
+              <a:t>17</a:t>
             </a:fld>
             <a:endParaRPr lang="en-US" dirty="0"/>
           </a:p>
@@ -927,7 +929,7 @@
           <a:p>
             <a:fld id="{F3544625-0ADF-4414-89A2-9E135F0C849F}" type="slidenum">
               <a:rPr lang="en-US" smtClean="0"/>
-              <a:t>17</a:t>
+              <a:t>18</a:t>
             </a:fld>
             <a:endParaRPr lang="en-US" dirty="0"/>
           </a:p>
@@ -8795,7 +8797,7 @@
           <p:cNvPr id="2" name="Title 1">
             <a:extLst>
               <a:ext uri="{FF2B5EF4-FFF2-40B4-BE49-F238E27FC236}">
-                <a16:creationId xmlns:a16="http://schemas.microsoft.com/office/drawing/2014/main" id="{5E1D7683-DEE2-1FAA-E2A9-A899EE905132}"/>
+                <a16:creationId xmlns:a16="http://schemas.microsoft.com/office/drawing/2014/main" id="{663D7A34-7DF9-3D14-E14C-2E451B79E8F3}"/>
               </a:ext>
             </a:extLst>
           </p:cNvPr>
@@ -8806,64 +8808,119 @@
             <p:ph type="title"/>
           </p:nvPr>
         </p:nvSpPr>
-        <p:spPr/>
-        <p:txBody>
-          <a:bodyPr/>
+        <p:spPr>
+          <a:xfrm>
+            <a:off x="334819" y="157019"/>
+            <a:ext cx="10482407" cy="905164"/>
+          </a:xfrm>
+        </p:spPr>
+        <p:txBody>
+          <a:bodyPr>
+            <a:normAutofit/>
+          </a:bodyPr>
           <a:lstStyle/>
           <a:p>
             <a:r>
               <a:rPr lang="en-US" dirty="0"/>
-              <a:t>Resources</a:t>
-            </a:r>
-          </a:p>
-        </p:txBody>
-      </p:sp>
-      <p:sp>
-        <p:nvSpPr>
-          <p:cNvPr id="3" name="Content Placeholder 2">
+              <a:t>What HAVE WE LEARNED TODAY</a:t>
+            </a:r>
+          </a:p>
+        </p:txBody>
+      </p:sp>
+      <p:sp>
+        <p:nvSpPr>
+          <p:cNvPr id="3" name="TextBox 2">
             <a:extLst>
               <a:ext uri="{FF2B5EF4-FFF2-40B4-BE49-F238E27FC236}">
-                <a16:creationId xmlns:a16="http://schemas.microsoft.com/office/drawing/2014/main" id="{6EB4D798-E366-6FC4-C370-17931B34B3A4}"/>
+                <a16:creationId xmlns:a16="http://schemas.microsoft.com/office/drawing/2014/main" id="{6AEE06E7-4922-6973-5CBA-DC2804C10C9C}"/>
               </a:ext>
             </a:extLst>
           </p:cNvPr>
-          <p:cNvSpPr>
-            <a:spLocks noGrp="1"/>
-          </p:cNvSpPr>
-          <p:nvPr>
-            <p:ph idx="1"/>
-          </p:nvPr>
-        </p:nvSpPr>
-        <p:spPr>
-          <a:xfrm>
-            <a:off x="685800" y="2065867"/>
-            <a:ext cx="10131425" cy="3649133"/>
-          </a:xfrm>
-        </p:spPr>
-        <p:txBody>
-          <a:bodyPr anchor="t" anchorCtr="0"/>
+          <p:cNvSpPr txBox="1"/>
+          <p:nvPr/>
+        </p:nvSpPr>
+        <p:spPr>
+          <a:xfrm>
+            <a:off x="1442720" y="1828800"/>
+            <a:ext cx="9144000" cy="2862322"/>
+          </a:xfrm>
+          <a:prstGeom prst="rect">
+            <a:avLst/>
+          </a:prstGeom>
+          <a:noFill/>
+        </p:spPr>
+        <p:txBody>
+          <a:bodyPr wrap="square" rtlCol="0">
+            <a:spAutoFit/>
+          </a:bodyPr>
           <a:lstStyle/>
           <a:p>
+            <a:pPr marL="285750" indent="-285750">
+              <a:buFont typeface="Arial" panose="020B0604020202020204" pitchFamily="34" charset="0"/>
+              <a:buChar char="•"/>
+            </a:pPr>
             <a:r>
               <a:rPr lang="en-US" dirty="0"/>
-              <a:t>You can find the code and data for this lesson and this </a:t>
-            </a:r>
-            <a:r>
-              <a:rPr lang="en-US" dirty="0" err="1"/>
-              <a:t>powerpoint</a:t>
-            </a:r>
+              <a:t>Models are representations of some phenomenon or system in our world</a:t>
+            </a:r>
+          </a:p>
+          <a:p>
+            <a:pPr marL="285750" indent="-285750">
+              <a:buFont typeface="Arial" panose="020B0604020202020204" pitchFamily="34" charset="0"/>
+              <a:buChar char="•"/>
+            </a:pPr>
+            <a:endParaRPr lang="en-US" dirty="0"/>
+          </a:p>
+          <a:p>
+            <a:pPr marL="285750" indent="-285750">
+              <a:buFont typeface="Arial" panose="020B0604020202020204" pitchFamily="34" charset="0"/>
+              <a:buChar char="•"/>
+            </a:pPr>
             <a:r>
               <a:rPr lang="en-US" dirty="0"/>
-              <a:t> here:</a:t>
-            </a:r>
-          </a:p>
-          <a:p>
-            <a:r>
-              <a:rPr lang="en-US" dirty="0">
-                <a:hlinkClick r:id="rId2"/>
-              </a:rPr>
-              <a:t>https://github.com/jshipway/jupyter-notebooks</a:t>
-            </a:r>
+              <a:t>Large Language Models (LLMs) are representations of human communication that learn how to communicate via numerical representations of much of the text on the Internet</a:t>
+            </a:r>
+          </a:p>
+          <a:p>
+            <a:pPr marL="285750" indent="-285750">
+              <a:buFont typeface="Arial" panose="020B0604020202020204" pitchFamily="34" charset="0"/>
+              <a:buChar char="•"/>
+            </a:pPr>
+            <a:endParaRPr lang="en-US" dirty="0"/>
+          </a:p>
+          <a:p>
+            <a:pPr marL="285750" indent="-285750">
+              <a:buFont typeface="Arial" panose="020B0604020202020204" pitchFamily="34" charset="0"/>
+              <a:buChar char="•"/>
+            </a:pPr>
+            <a:r>
+              <a:rPr lang="en-US" dirty="0"/>
+              <a:t>Humans can interact with LLMs through websites like chatgpt.com</a:t>
+            </a:r>
+          </a:p>
+          <a:p>
+            <a:pPr marL="285750" indent="-285750">
+              <a:buFont typeface="Arial" panose="020B0604020202020204" pitchFamily="34" charset="0"/>
+              <a:buChar char="•"/>
+            </a:pPr>
+            <a:endParaRPr lang="en-US" dirty="0"/>
+          </a:p>
+          <a:p>
+            <a:pPr marL="285750" indent="-285750">
+              <a:buFont typeface="Arial" panose="020B0604020202020204" pitchFamily="34" charset="0"/>
+              <a:buChar char="•"/>
+            </a:pPr>
+            <a:r>
+              <a:rPr lang="en-US" dirty="0"/>
+              <a:t>Computer Programs can interact with LLMs via REST based APIs from Open AI and cloud providers like </a:t>
+            </a:r>
+            <a:r>
+              <a:rPr lang="en-US"/>
+              <a:t>Microsoft Azure and AWS.</a:t>
+            </a:r>
+            <a:endParaRPr lang="en-US" dirty="0"/>
+          </a:p>
+          <a:p>
             <a:endParaRPr lang="en-US" dirty="0"/>
           </a:p>
         </p:txBody>
@@ -8871,7 +8928,7 @@
     </p:spTree>
     <p:extLst>
       <p:ext uri="{BB962C8B-B14F-4D97-AF65-F5344CB8AC3E}">
-        <p14:creationId xmlns:p14="http://schemas.microsoft.com/office/powerpoint/2010/main" val="2145601099"/>
+        <p14:creationId xmlns:p14="http://schemas.microsoft.com/office/powerpoint/2010/main" val="2688236145"/>
       </p:ext>
     </p:extLst>
   </p:cSld>
@@ -8903,6 +8960,114 @@
           <p:cNvPr id="2" name="Title 1">
             <a:extLst>
               <a:ext uri="{FF2B5EF4-FFF2-40B4-BE49-F238E27FC236}">
+                <a16:creationId xmlns:a16="http://schemas.microsoft.com/office/drawing/2014/main" id="{5E1D7683-DEE2-1FAA-E2A9-A899EE905132}"/>
+              </a:ext>
+            </a:extLst>
+          </p:cNvPr>
+          <p:cNvSpPr>
+            <a:spLocks noGrp="1"/>
+          </p:cNvSpPr>
+          <p:nvPr>
+            <p:ph type="title"/>
+          </p:nvPr>
+        </p:nvSpPr>
+        <p:spPr/>
+        <p:txBody>
+          <a:bodyPr/>
+          <a:lstStyle/>
+          <a:p>
+            <a:r>
+              <a:rPr lang="en-US" dirty="0"/>
+              <a:t>Resources</a:t>
+            </a:r>
+          </a:p>
+        </p:txBody>
+      </p:sp>
+      <p:sp>
+        <p:nvSpPr>
+          <p:cNvPr id="3" name="Content Placeholder 2">
+            <a:extLst>
+              <a:ext uri="{FF2B5EF4-FFF2-40B4-BE49-F238E27FC236}">
+                <a16:creationId xmlns:a16="http://schemas.microsoft.com/office/drawing/2014/main" id="{6EB4D798-E366-6FC4-C370-17931B34B3A4}"/>
+              </a:ext>
+            </a:extLst>
+          </p:cNvPr>
+          <p:cNvSpPr>
+            <a:spLocks noGrp="1"/>
+          </p:cNvSpPr>
+          <p:nvPr>
+            <p:ph idx="1"/>
+          </p:nvPr>
+        </p:nvSpPr>
+        <p:spPr>
+          <a:xfrm>
+            <a:off x="685800" y="2065867"/>
+            <a:ext cx="10131425" cy="3649133"/>
+          </a:xfrm>
+        </p:spPr>
+        <p:txBody>
+          <a:bodyPr anchor="t" anchorCtr="0"/>
+          <a:lstStyle/>
+          <a:p>
+            <a:r>
+              <a:rPr lang="en-US" dirty="0"/>
+              <a:t>You can find the code and data for this lesson and this </a:t>
+            </a:r>
+            <a:r>
+              <a:rPr lang="en-US" dirty="0" err="1"/>
+              <a:t>powerpoint</a:t>
+            </a:r>
+            <a:r>
+              <a:rPr lang="en-US" dirty="0"/>
+              <a:t> here:</a:t>
+            </a:r>
+          </a:p>
+          <a:p>
+            <a:r>
+              <a:rPr lang="en-US" dirty="0">
+                <a:hlinkClick r:id="rId2"/>
+              </a:rPr>
+              <a:t>https://github.com/jshipway/jupyter-notebooks</a:t>
+            </a:r>
+            <a:endParaRPr lang="en-US" dirty="0"/>
+          </a:p>
+        </p:txBody>
+      </p:sp>
+    </p:spTree>
+    <p:extLst>
+      <p:ext uri="{BB962C8B-B14F-4D97-AF65-F5344CB8AC3E}">
+        <p14:creationId xmlns:p14="http://schemas.microsoft.com/office/powerpoint/2010/main" val="2145601099"/>
+      </p:ext>
+    </p:extLst>
+  </p:cSld>
+  <p:clrMapOvr>
+    <a:masterClrMapping/>
+  </p:clrMapOvr>
+</p:sld>
+</file>
+
+<file path=ppt/slides/slide17.xml><?xml version="1.0" encoding="utf-8"?>
+<p:sld xmlns:a="http://schemas.openxmlformats.org/drawingml/2006/main" xmlns:r="http://schemas.openxmlformats.org/officeDocument/2006/relationships" xmlns:p="http://schemas.openxmlformats.org/presentationml/2006/main">
+  <p:cSld>
+    <p:spTree>
+      <p:nvGrpSpPr>
+        <p:cNvPr id="1" name=""/>
+        <p:cNvGrpSpPr/>
+        <p:nvPr/>
+      </p:nvGrpSpPr>
+      <p:grpSpPr>
+        <a:xfrm>
+          <a:off x="0" y="0"/>
+          <a:ext cx="0" cy="0"/>
+          <a:chOff x="0" y="0"/>
+          <a:chExt cx="0" cy="0"/>
+        </a:xfrm>
+      </p:grpSpPr>
+      <p:sp>
+        <p:nvSpPr>
+          <p:cNvPr id="2" name="Title 1">
+            <a:extLst>
+              <a:ext uri="{FF2B5EF4-FFF2-40B4-BE49-F238E27FC236}">
                 <a16:creationId xmlns:a16="http://schemas.microsoft.com/office/drawing/2014/main" id="{D44BCB7C-A6FC-4118-9027-468ECFDE6455}"/>
               </a:ext>
             </a:extLst>
@@ -8947,7 +9112,7 @@
 </p:sld>
 </file>
 
-<file path=ppt/slides/slide17.xml><?xml version="1.0" encoding="utf-8"?>
+<file path=ppt/slides/slide18.xml><?xml version="1.0" encoding="utf-8"?>
 <p:sld xmlns:a="http://schemas.openxmlformats.org/drawingml/2006/main" xmlns:r="http://schemas.openxmlformats.org/officeDocument/2006/relationships" xmlns:p="http://schemas.openxmlformats.org/presentationml/2006/main">
   <p:cSld>
     <p:spTree>
@@ -14405,6 +14570,15 @@
 </file>
 
 <file path=customXml/item2.xml><?xml version="1.0" encoding="utf-8"?>
+<?mso-contentType ?>
+<FormTemplates xmlns="http://schemas.microsoft.com/sharepoint/v3/contenttype/forms">
+  <Display>DocumentLibraryForm</Display>
+  <Edit>DocumentLibraryForm</Edit>
+  <New>DocumentLibraryForm</New>
+</FormTemplates>
+</file>
+
+<file path=customXml/item3.xml><?xml version="1.0" encoding="utf-8"?>
 <ct:contentTypeSchema xmlns:ct="http://schemas.microsoft.com/office/2006/metadata/contentType" xmlns:ma="http://schemas.microsoft.com/office/2006/metadata/properties/metaAttributes" ct:_="" ma:_="" ma:contentTypeName="Document" ma:contentTypeID="0x01010079F111ED35F8CC479449609E8A0923A6" ma:contentTypeVersion="12" ma:contentTypeDescription="Create a new document." ma:contentTypeScope="" ma:versionID="93813dd7ca6ad654711aa0ab317e03a3">
   <xsd:schema xmlns:xsd="http://www.w3.org/2001/XMLSchema" xmlns:xs="http://www.w3.org/2001/XMLSchema" xmlns:p="http://schemas.microsoft.com/office/2006/metadata/properties" xmlns:ns2="71af3243-3dd4-4a8d-8c0d-dd76da1f02a5" xmlns:ns3="16c05727-aa75-4e4a-9b5f-8a80a1165891" targetNamespace="http://schemas.microsoft.com/office/2006/metadata/properties" ma:root="true" ma:fieldsID="f11dc0ce689dd3925e84e4e35398c6e7" ns2:_="" ns3:_="">
     <xsd:import namespace="71af3243-3dd4-4a8d-8c0d-dd76da1f02a5"/>
@@ -14625,15 +14799,6 @@
 </ct:contentTypeSchema>
 </file>
 
-<file path=customXml/item3.xml><?xml version="1.0" encoding="utf-8"?>
-<?mso-contentType ?>
-<FormTemplates xmlns="http://schemas.microsoft.com/sharepoint/v3/contenttype/forms">
-  <Display>DocumentLibraryForm</Display>
-  <Edit>DocumentLibraryForm</Edit>
-  <New>DocumentLibraryForm</New>
-</FormTemplates>
-</file>
-
 <file path=customXml/itemProps1.xml><?xml version="1.0" encoding="utf-8"?>
 <ds:datastoreItem xmlns:ds="http://schemas.openxmlformats.org/officeDocument/2006/customXml" ds:itemID="{1F08B90B-70ED-4539-9C14-FB2728D9064F}">
   <ds:schemaRefs>
@@ -14652,6 +14817,14 @@
 </file>
 
 <file path=customXml/itemProps2.xml><?xml version="1.0" encoding="utf-8"?>
+<ds:datastoreItem xmlns:ds="http://schemas.openxmlformats.org/officeDocument/2006/customXml" ds:itemID="{A0D51BCB-0419-432E-B7F1-25548446A625}">
+  <ds:schemaRefs>
+    <ds:schemaRef ds:uri="http://schemas.microsoft.com/sharepoint/v3/contenttype/forms"/>
+  </ds:schemaRefs>
+</ds:datastoreItem>
+</file>
+
+<file path=customXml/itemProps3.xml><?xml version="1.0" encoding="utf-8"?>
 <ds:datastoreItem xmlns:ds="http://schemas.openxmlformats.org/officeDocument/2006/customXml" ds:itemID="{9E8D3305-1D9D-4BC8-A40F-6F8AE50BD76B}">
   <ds:schemaRefs>
     <ds:schemaRef ds:uri="http://schemas.microsoft.com/office/2006/metadata/contentType"/>
@@ -14668,12 +14841,4 @@
     <ds:schemaRef ds:uri="http://schemas.microsoft.com/internal/obd"/>
   </ds:schemaRefs>
 </ds:datastoreItem>
-</file>
-
-<file path=customXml/itemProps3.xml><?xml version="1.0" encoding="utf-8"?>
-<ds:datastoreItem xmlns:ds="http://schemas.openxmlformats.org/officeDocument/2006/customXml" ds:itemID="{A0D51BCB-0419-432E-B7F1-25548446A625}">
-  <ds:schemaRefs>
-    <ds:schemaRef ds:uri="http://schemas.microsoft.com/sharepoint/v3/contenttype/forms"/>
-  </ds:schemaRefs>
-</ds:datastoreItem>
 </file>